--- a/final-project/1/Data_Science_Proj_1_TonyC.pptx
+++ b/final-project/1/Data_Science_Proj_1_TonyC.pptx
@@ -23,37 +23,37 @@
   <p:notesSz cx="6858000" cy="9144000"/>
   <p:embeddedFontLst>
     <p:embeddedFont>
-      <p:font typeface="Montserrat" panose="020B0604020202020204" charset="0"/>
+      <p:font typeface="Verdana" panose="020B0604030504040204" pitchFamily="34" charset="0"/>
       <p:regular r:id="rId13"/>
       <p:bold r:id="rId14"/>
+      <p:italic r:id="rId15"/>
+      <p:boldItalic r:id="rId16"/>
     </p:embeddedFont>
     <p:embeddedFont>
       <p:font typeface="Open Sans" panose="020B0604020202020204" charset="0"/>
-      <p:regular r:id="rId15"/>
-      <p:bold r:id="rId16"/>
-      <p:italic r:id="rId17"/>
-      <p:boldItalic r:id="rId18"/>
+      <p:regular r:id="rId17"/>
+      <p:bold r:id="rId18"/>
+      <p:italic r:id="rId19"/>
+      <p:boldItalic r:id="rId20"/>
     </p:embeddedFont>
     <p:embeddedFont>
       <p:font typeface="Proxima Nova" panose="020B0604020202020204" charset="0"/>
-      <p:regular r:id="rId19"/>
-      <p:bold r:id="rId20"/>
-      <p:italic r:id="rId21"/>
-      <p:boldItalic r:id="rId22"/>
-    </p:embeddedFont>
-    <p:embeddedFont>
-      <p:font typeface="Verdana" panose="020B0604030504040204" pitchFamily="34" charset="0"/>
-      <p:regular r:id="rId23"/>
-      <p:bold r:id="rId24"/>
-      <p:italic r:id="rId25"/>
-      <p:boldItalic r:id="rId26"/>
+      <p:regular r:id="rId21"/>
+      <p:bold r:id="rId22"/>
+      <p:italic r:id="rId23"/>
+      <p:boldItalic r:id="rId24"/>
     </p:embeddedFont>
     <p:embeddedFont>
       <p:font typeface="Karla" panose="020B0604020202020204" charset="0"/>
-      <p:regular r:id="rId27"/>
-      <p:bold r:id="rId28"/>
-      <p:italic r:id="rId29"/>
-      <p:boldItalic r:id="rId30"/>
+      <p:regular r:id="rId25"/>
+      <p:bold r:id="rId26"/>
+      <p:italic r:id="rId27"/>
+      <p:boldItalic r:id="rId28"/>
+    </p:embeddedFont>
+    <p:embeddedFont>
+      <p:font typeface="Montserrat" panose="020B0604020202020204" charset="0"/>
+      <p:regular r:id="rId29"/>
+      <p:bold r:id="rId30"/>
     </p:embeddedFont>
   </p:embeddedFontLst>
   <p:defaultTextStyle>
@@ -1047,7 +1047,7 @@
           </a:bodyPr>
           <a:lstStyle/>
           <a:p>
-            <a:pPr lvl="0" rtl="0">
+            <a:pPr marL="0" marR="0" lvl="0" indent="0" algn="l" defTabSz="914400" rtl="0" eaLnBrk="1" fontAlgn="auto" latinLnBrk="0" hangingPunct="1">
               <a:lnSpc>
                 <a:spcPct val="100000"/>
               </a:lnSpc>
@@ -1057,9 +1057,25 @@
               <a:spcAft>
                 <a:spcPts val="1200"/>
               </a:spcAft>
-              <a:buNone/>
+              <a:buClrTx/>
+              <a:buSzTx/>
+              <a:buFontTx/>
+              <a:buNone/>
+              <a:tabLst/>
+              <a:defRPr/>
             </a:pPr>
-            <a:endParaRPr sz="1600"/>
+            <a:r>
+              <a:rPr lang="en" sz="1600" dirty="0">
+                <a:solidFill>
+                  <a:schemeClr val="dk1"/>
+                </a:solidFill>
+                <a:latin typeface="+mn-lt"/>
+                <a:ea typeface="Arial"/>
+                <a:cs typeface="Arial"/>
+                <a:sym typeface="Arial"/>
+              </a:rPr>
+              <a:t>A challenge is that dollar based net expansion (my dependent variable) is a ratio, and it’s very difficult to do meaningful arithmetic on a ratio, so this may change how I measure my output variable. </a:t>
+            </a:r>
           </a:p>
         </p:txBody>
       </p:sp>
@@ -32940,7 +32956,7 @@
               <a:buChar char="●"/>
             </a:pPr>
             <a:r>
-              <a:rPr lang="en">
+              <a:rPr lang="en" dirty="0">
                 <a:solidFill>
                   <a:schemeClr val="dk1"/>
                 </a:solidFill>
@@ -32949,7 +32965,19 @@
                 <a:cs typeface="Arial"/>
                 <a:sym typeface="Arial"/>
               </a:rPr>
-              <a:t>A challenge is that dollar based net expansion (my dependent variable) is a ratio, and it’s very difficult to do meaningful arithmetic on a ratio, so this may change how I measure my output variable. </a:t>
+              <a:t>If my preferred analysis hypothesis doesn’t work out, there’s so many variables in the data set, that I can investigate the relationship among the variables themselves. </a:t>
+            </a:r>
+            <a:r>
+              <a:rPr lang="en">
+                <a:solidFill>
+                  <a:schemeClr val="dk1"/>
+                </a:solidFill>
+                <a:latin typeface="Arial"/>
+                <a:ea typeface="Arial"/>
+                <a:cs typeface="Arial"/>
+                <a:sym typeface="Arial"/>
+              </a:rPr>
+              <a:t>Even discovering colinearity among the independent variables will be valuable insight.</a:t>
             </a:r>
             <a:endParaRPr lang="en" dirty="0">
               <a:solidFill>

--- a/final-project/1/Data_Science_Proj_1_TonyC.pptx
+++ b/final-project/1/Data_Science_Proj_1_TonyC.pptx
@@ -5,29 +5,32 @@
     <p:sldMasterId id="2147483722" r:id="rId1"/>
     <p:sldMasterId id="2147483723" r:id="rId2"/>
     <p:sldMasterId id="2147483724" r:id="rId3"/>
-    <p:sldMasterId id="2147483725" r:id="rId4"/>
-    <p:sldMasterId id="2147483726" r:id="rId5"/>
+    <p:sldMasterId id="2147483726" r:id="rId4"/>
   </p:sldMasterIdLst>
   <p:notesMasterIdLst>
-    <p:notesMasterId r:id="rId12"/>
+    <p:notesMasterId r:id="rId10"/>
   </p:notesMasterIdLst>
   <p:sldIdLst>
-    <p:sldId id="256" r:id="rId6"/>
-    <p:sldId id="257" r:id="rId7"/>
-    <p:sldId id="258" r:id="rId8"/>
-    <p:sldId id="259" r:id="rId9"/>
-    <p:sldId id="260" r:id="rId10"/>
-    <p:sldId id="261" r:id="rId11"/>
+    <p:sldId id="256" r:id="rId5"/>
+    <p:sldId id="257" r:id="rId6"/>
+    <p:sldId id="258" r:id="rId7"/>
+    <p:sldId id="259" r:id="rId8"/>
+    <p:sldId id="260" r:id="rId9"/>
   </p:sldIdLst>
   <p:sldSz cx="9144000" cy="5143500" type="screen16x9"/>
   <p:notesSz cx="6858000" cy="9144000"/>
   <p:embeddedFontLst>
     <p:embeddedFont>
-      <p:font typeface="Verdana" panose="020B0604030504040204" pitchFamily="34" charset="0"/>
-      <p:regular r:id="rId13"/>
-      <p:bold r:id="rId14"/>
-      <p:italic r:id="rId15"/>
-      <p:boldItalic r:id="rId16"/>
+      <p:font typeface="Proxima Nova" panose="020B0604020202020204" charset="0"/>
+      <p:regular r:id="rId11"/>
+      <p:bold r:id="rId12"/>
+      <p:italic r:id="rId13"/>
+      <p:boldItalic r:id="rId14"/>
+    </p:embeddedFont>
+    <p:embeddedFont>
+      <p:font typeface="Montserrat" panose="020B0604020202020204" charset="0"/>
+      <p:regular r:id="rId15"/>
+      <p:bold r:id="rId16"/>
     </p:embeddedFont>
     <p:embeddedFont>
       <p:font typeface="Open Sans" panose="020B0604020202020204" charset="0"/>
@@ -37,7 +40,7 @@
       <p:boldItalic r:id="rId20"/>
     </p:embeddedFont>
     <p:embeddedFont>
-      <p:font typeface="Proxima Nova" panose="020B0604020202020204" charset="0"/>
+      <p:font typeface="Verdana" panose="020B0604030504040204" pitchFamily="34" charset="0"/>
       <p:regular r:id="rId21"/>
       <p:bold r:id="rId22"/>
       <p:italic r:id="rId23"/>
@@ -49,11 +52,6 @@
       <p:bold r:id="rId26"/>
       <p:italic r:id="rId27"/>
       <p:boldItalic r:id="rId28"/>
-    </p:embeddedFont>
-    <p:embeddedFont>
-      <p:font typeface="Montserrat" panose="020B0604020202020204" charset="0"/>
-      <p:regular r:id="rId29"/>
-      <p:bold r:id="rId30"/>
     </p:embeddedFont>
   </p:embeddedFontLst>
   <p:defaultTextStyle>
@@ -1075,110 +1073,6 @@
                 <a:sym typeface="Arial"/>
               </a:rPr>
               <a:t>A challenge is that dollar based net expansion (my dependent variable) is a ratio, and it’s very difficult to do meaningful arithmetic on a ratio, so this may change how I measure my output variable. </a:t>
-            </a:r>
-          </a:p>
-        </p:txBody>
-      </p:sp>
-    </p:spTree>
-  </p:cSld>
-  <p:clrMapOvr>
-    <a:masterClrMapping/>
-  </p:clrMapOvr>
-</p:notes>
-</file>
-
-<file path=ppt/notesSlides/notesSlide6.xml><?xml version="1.0" encoding="utf-8"?>
-<p:notes xmlns:a="http://schemas.openxmlformats.org/drawingml/2006/main" xmlns:r="http://schemas.openxmlformats.org/officeDocument/2006/relationships" xmlns:p="http://schemas.openxmlformats.org/presentationml/2006/main" showMasterSp="0" showMasterPhAnim="0">
-  <p:cSld>
-    <p:spTree>
-      <p:nvGrpSpPr>
-        <p:cNvPr id="1" name="Shape 348"/>
-        <p:cNvGrpSpPr/>
-        <p:nvPr/>
-      </p:nvGrpSpPr>
-      <p:grpSpPr>
-        <a:xfrm>
-          <a:off x="0" y="0"/>
-          <a:ext cx="0" cy="0"/>
-          <a:chOff x="0" y="0"/>
-          <a:chExt cx="0" cy="0"/>
-        </a:xfrm>
-      </p:grpSpPr>
-      <p:sp>
-        <p:nvSpPr>
-          <p:cNvPr id="349" name="Shape 349"/>
-          <p:cNvSpPr>
-            <a:spLocks noGrp="1" noRot="1" noChangeAspect="1"/>
-          </p:cNvSpPr>
-          <p:nvPr>
-            <p:ph type="sldImg" idx="2"/>
-          </p:nvPr>
-        </p:nvSpPr>
-        <p:spPr>
-          <a:xfrm>
-            <a:off x="381000" y="685800"/>
-            <a:ext cx="6096000" cy="3429000"/>
-          </a:xfrm>
-          <a:custGeom>
-            <a:avLst/>
-            <a:gdLst/>
-            <a:ahLst/>
-            <a:cxnLst/>
-            <a:rect l="0" t="0" r="0" b="0"/>
-            <a:pathLst>
-              <a:path w="120000" h="120000" extrusionOk="0">
-                <a:moveTo>
-                  <a:pt x="0" y="0"/>
-                </a:moveTo>
-                <a:lnTo>
-                  <a:pt x="120000" y="0"/>
-                </a:lnTo>
-                <a:lnTo>
-                  <a:pt x="120000" y="120000"/>
-                </a:lnTo>
-                <a:lnTo>
-                  <a:pt x="0" y="120000"/>
-                </a:lnTo>
-                <a:close/>
-              </a:path>
-            </a:pathLst>
-          </a:custGeom>
-        </p:spPr>
-      </p:sp>
-      <p:sp>
-        <p:nvSpPr>
-          <p:cNvPr id="350" name="Shape 350"/>
-          <p:cNvSpPr txBox="1">
-            <a:spLocks noGrp="1"/>
-          </p:cNvSpPr>
-          <p:nvPr>
-            <p:ph type="body" idx="1"/>
-          </p:nvPr>
-        </p:nvSpPr>
-        <p:spPr>
-          <a:xfrm>
-            <a:off x="685800" y="4343400"/>
-            <a:ext cx="5486400" cy="4114800"/>
-          </a:xfrm>
-          <a:prstGeom prst="rect">
-            <a:avLst/>
-          </a:prstGeom>
-        </p:spPr>
-        <p:txBody>
-          <a:bodyPr lIns="91425" tIns="91425" rIns="91425" bIns="91425" anchor="t" anchorCtr="0">
-            <a:noAutofit/>
-          </a:bodyPr>
-          <a:lstStyle/>
-          <a:p>
-            <a:pPr lvl="0" rtl="0">
-              <a:spcBef>
-                <a:spcPts val="0"/>
-              </a:spcBef>
-              <a:buNone/>
-            </a:pPr>
-            <a:r>
-              <a:rPr lang="en"/>
-              <a:t>Implement hyperlinks above</a:t>
             </a:r>
           </a:p>
         </p:txBody>
@@ -13150,2553 +13044,6 @@
 </file>
 
 <file path=ppt/slideLayouts/slideLayout48.xml><?xml version="1.0" encoding="utf-8"?>
-<p:sldLayout xmlns:a="http://schemas.openxmlformats.org/drawingml/2006/main" xmlns:r="http://schemas.openxmlformats.org/officeDocument/2006/relationships" xmlns:p="http://schemas.openxmlformats.org/presentationml/2006/main" type="title">
-  <p:cSld name="Title slide">
-    <p:spTree>
-      <p:nvGrpSpPr>
-        <p:cNvPr id="1" name="Shape 190"/>
-        <p:cNvGrpSpPr/>
-        <p:nvPr/>
-      </p:nvGrpSpPr>
-      <p:grpSpPr>
-        <a:xfrm>
-          <a:off x="0" y="0"/>
-          <a:ext cx="0" cy="0"/>
-          <a:chOff x="0" y="0"/>
-          <a:chExt cx="0" cy="0"/>
-        </a:xfrm>
-      </p:grpSpPr>
-      <p:sp>
-        <p:nvSpPr>
-          <p:cNvPr id="191" name="Shape 191"/>
-          <p:cNvSpPr txBox="1">
-            <a:spLocks noGrp="1"/>
-          </p:cNvSpPr>
-          <p:nvPr>
-            <p:ph type="ctrTitle"/>
-          </p:nvPr>
-        </p:nvSpPr>
-        <p:spPr>
-          <a:xfrm>
-            <a:off x="311708" y="744575"/>
-            <a:ext cx="8520600" cy="2052600"/>
-          </a:xfrm>
-          <a:prstGeom prst="rect">
-            <a:avLst/>
-          </a:prstGeom>
-        </p:spPr>
-        <p:txBody>
-          <a:bodyPr lIns="91425" tIns="91425" rIns="91425" bIns="91425" anchor="b" anchorCtr="0"/>
-          <a:lstStyle>
-            <a:lvl1pPr lvl="0" algn="ctr" rtl="0">
-              <a:spcBef>
-                <a:spcPts val="0"/>
-              </a:spcBef>
-              <a:buSzPct val="100000"/>
-              <a:defRPr sz="5200"/>
-            </a:lvl1pPr>
-            <a:lvl2pPr lvl="1" algn="ctr" rtl="0">
-              <a:spcBef>
-                <a:spcPts val="0"/>
-              </a:spcBef>
-              <a:buSzPct val="100000"/>
-              <a:defRPr sz="5200"/>
-            </a:lvl2pPr>
-            <a:lvl3pPr lvl="2" algn="ctr" rtl="0">
-              <a:spcBef>
-                <a:spcPts val="0"/>
-              </a:spcBef>
-              <a:buSzPct val="100000"/>
-              <a:defRPr sz="5200"/>
-            </a:lvl3pPr>
-            <a:lvl4pPr lvl="3" algn="ctr" rtl="0">
-              <a:spcBef>
-                <a:spcPts val="0"/>
-              </a:spcBef>
-              <a:buSzPct val="100000"/>
-              <a:defRPr sz="5200"/>
-            </a:lvl4pPr>
-            <a:lvl5pPr lvl="4" algn="ctr" rtl="0">
-              <a:spcBef>
-                <a:spcPts val="0"/>
-              </a:spcBef>
-              <a:buSzPct val="100000"/>
-              <a:defRPr sz="5200"/>
-            </a:lvl5pPr>
-            <a:lvl6pPr lvl="5" algn="ctr" rtl="0">
-              <a:spcBef>
-                <a:spcPts val="0"/>
-              </a:spcBef>
-              <a:buSzPct val="100000"/>
-              <a:defRPr sz="5200"/>
-            </a:lvl6pPr>
-            <a:lvl7pPr lvl="6" algn="ctr" rtl="0">
-              <a:spcBef>
-                <a:spcPts val="0"/>
-              </a:spcBef>
-              <a:buSzPct val="100000"/>
-              <a:defRPr sz="5200"/>
-            </a:lvl7pPr>
-            <a:lvl8pPr lvl="7" algn="ctr" rtl="0">
-              <a:spcBef>
-                <a:spcPts val="0"/>
-              </a:spcBef>
-              <a:buSzPct val="100000"/>
-              <a:defRPr sz="5200"/>
-            </a:lvl8pPr>
-            <a:lvl9pPr lvl="8" algn="ctr" rtl="0">
-              <a:spcBef>
-                <a:spcPts val="0"/>
-              </a:spcBef>
-              <a:buSzPct val="100000"/>
-              <a:defRPr sz="5200"/>
-            </a:lvl9pPr>
-          </a:lstStyle>
-          <a:p>
-            <a:endParaRPr/>
-          </a:p>
-        </p:txBody>
-      </p:sp>
-      <p:sp>
-        <p:nvSpPr>
-          <p:cNvPr id="192" name="Shape 192"/>
-          <p:cNvSpPr txBox="1">
-            <a:spLocks noGrp="1"/>
-          </p:cNvSpPr>
-          <p:nvPr>
-            <p:ph type="subTitle" idx="1"/>
-          </p:nvPr>
-        </p:nvSpPr>
-        <p:spPr>
-          <a:xfrm>
-            <a:off x="311700" y="2834125"/>
-            <a:ext cx="8520600" cy="792600"/>
-          </a:xfrm>
-          <a:prstGeom prst="rect">
-            <a:avLst/>
-          </a:prstGeom>
-        </p:spPr>
-        <p:txBody>
-          <a:bodyPr lIns="91425" tIns="91425" rIns="91425" bIns="91425" anchor="t" anchorCtr="0"/>
-          <a:lstStyle>
-            <a:lvl1pPr lvl="0" algn="ctr" rtl="0">
-              <a:lnSpc>
-                <a:spcPct val="100000"/>
-              </a:lnSpc>
-              <a:spcBef>
-                <a:spcPts val="0"/>
-              </a:spcBef>
-              <a:spcAft>
-                <a:spcPts val="0"/>
-              </a:spcAft>
-              <a:buSzPct val="100000"/>
-              <a:buNone/>
-              <a:defRPr sz="2800"/>
-            </a:lvl1pPr>
-            <a:lvl2pPr lvl="1" algn="ctr" rtl="0">
-              <a:lnSpc>
-                <a:spcPct val="100000"/>
-              </a:lnSpc>
-              <a:spcBef>
-                <a:spcPts val="0"/>
-              </a:spcBef>
-              <a:spcAft>
-                <a:spcPts val="0"/>
-              </a:spcAft>
-              <a:buSzPct val="100000"/>
-              <a:buNone/>
-              <a:defRPr sz="2800"/>
-            </a:lvl2pPr>
-            <a:lvl3pPr lvl="2" algn="ctr" rtl="0">
-              <a:lnSpc>
-                <a:spcPct val="100000"/>
-              </a:lnSpc>
-              <a:spcBef>
-                <a:spcPts val="0"/>
-              </a:spcBef>
-              <a:spcAft>
-                <a:spcPts val="0"/>
-              </a:spcAft>
-              <a:buSzPct val="100000"/>
-              <a:buNone/>
-              <a:defRPr sz="2800"/>
-            </a:lvl3pPr>
-            <a:lvl4pPr lvl="3" algn="ctr" rtl="0">
-              <a:lnSpc>
-                <a:spcPct val="100000"/>
-              </a:lnSpc>
-              <a:spcBef>
-                <a:spcPts val="0"/>
-              </a:spcBef>
-              <a:spcAft>
-                <a:spcPts val="0"/>
-              </a:spcAft>
-              <a:buSzPct val="100000"/>
-              <a:buNone/>
-              <a:defRPr sz="2800"/>
-            </a:lvl4pPr>
-            <a:lvl5pPr lvl="4" algn="ctr" rtl="0">
-              <a:lnSpc>
-                <a:spcPct val="100000"/>
-              </a:lnSpc>
-              <a:spcBef>
-                <a:spcPts val="0"/>
-              </a:spcBef>
-              <a:spcAft>
-                <a:spcPts val="0"/>
-              </a:spcAft>
-              <a:buSzPct val="100000"/>
-              <a:buNone/>
-              <a:defRPr sz="2800"/>
-            </a:lvl5pPr>
-            <a:lvl6pPr lvl="5" algn="ctr" rtl="0">
-              <a:lnSpc>
-                <a:spcPct val="100000"/>
-              </a:lnSpc>
-              <a:spcBef>
-                <a:spcPts val="0"/>
-              </a:spcBef>
-              <a:spcAft>
-                <a:spcPts val="0"/>
-              </a:spcAft>
-              <a:buSzPct val="100000"/>
-              <a:buNone/>
-              <a:defRPr sz="2800"/>
-            </a:lvl6pPr>
-            <a:lvl7pPr lvl="6" algn="ctr" rtl="0">
-              <a:lnSpc>
-                <a:spcPct val="100000"/>
-              </a:lnSpc>
-              <a:spcBef>
-                <a:spcPts val="0"/>
-              </a:spcBef>
-              <a:spcAft>
-                <a:spcPts val="0"/>
-              </a:spcAft>
-              <a:buSzPct val="100000"/>
-              <a:buNone/>
-              <a:defRPr sz="2800"/>
-            </a:lvl7pPr>
-            <a:lvl8pPr lvl="7" algn="ctr" rtl="0">
-              <a:lnSpc>
-                <a:spcPct val="100000"/>
-              </a:lnSpc>
-              <a:spcBef>
-                <a:spcPts val="0"/>
-              </a:spcBef>
-              <a:spcAft>
-                <a:spcPts val="0"/>
-              </a:spcAft>
-              <a:buSzPct val="100000"/>
-              <a:buNone/>
-              <a:defRPr sz="2800"/>
-            </a:lvl8pPr>
-            <a:lvl9pPr lvl="8" algn="ctr" rtl="0">
-              <a:lnSpc>
-                <a:spcPct val="100000"/>
-              </a:lnSpc>
-              <a:spcBef>
-                <a:spcPts val="0"/>
-              </a:spcBef>
-              <a:spcAft>
-                <a:spcPts val="0"/>
-              </a:spcAft>
-              <a:buSzPct val="100000"/>
-              <a:buNone/>
-              <a:defRPr sz="2800"/>
-            </a:lvl9pPr>
-          </a:lstStyle>
-          <a:p>
-            <a:endParaRPr/>
-          </a:p>
-        </p:txBody>
-      </p:sp>
-      <p:sp>
-        <p:nvSpPr>
-          <p:cNvPr id="193" name="Shape 193"/>
-          <p:cNvSpPr txBox="1">
-            <a:spLocks noGrp="1"/>
-          </p:cNvSpPr>
-          <p:nvPr>
-            <p:ph type="sldNum" idx="12"/>
-          </p:nvPr>
-        </p:nvSpPr>
-        <p:spPr>
-          <a:xfrm>
-            <a:off x="8472457" y="4663216"/>
-            <a:ext cx="548700" cy="393600"/>
-          </a:xfrm>
-          <a:prstGeom prst="rect">
-            <a:avLst/>
-          </a:prstGeom>
-        </p:spPr>
-        <p:txBody>
-          <a:bodyPr lIns="91425" tIns="91425" rIns="91425" bIns="91425" anchor="ctr" anchorCtr="0">
-            <a:noAutofit/>
-          </a:bodyPr>
-          <a:lstStyle/>
-          <a:p>
-            <a:pPr lvl="0" rtl="0">
-              <a:spcBef>
-                <a:spcPts val="0"/>
-              </a:spcBef>
-              <a:buNone/>
-            </a:pPr>
-            <a:fld id="{00000000-1234-1234-1234-123412341234}" type="slidenum">
-              <a:rPr lang="en"/>
-              <a:t>‹#›</a:t>
-            </a:fld>
-            <a:endParaRPr lang="en"/>
-          </a:p>
-        </p:txBody>
-      </p:sp>
-    </p:spTree>
-  </p:cSld>
-  <p:clrMapOvr>
-    <a:masterClrMapping/>
-  </p:clrMapOvr>
-</p:sldLayout>
-</file>
-
-<file path=ppt/slideLayouts/slideLayout49.xml><?xml version="1.0" encoding="utf-8"?>
-<p:sldLayout xmlns:a="http://schemas.openxmlformats.org/drawingml/2006/main" xmlns:r="http://schemas.openxmlformats.org/officeDocument/2006/relationships" xmlns:p="http://schemas.openxmlformats.org/presentationml/2006/main" type="secHead">
-  <p:cSld name="Section header">
-    <p:spTree>
-      <p:nvGrpSpPr>
-        <p:cNvPr id="1" name="Shape 194"/>
-        <p:cNvGrpSpPr/>
-        <p:nvPr/>
-      </p:nvGrpSpPr>
-      <p:grpSpPr>
-        <a:xfrm>
-          <a:off x="0" y="0"/>
-          <a:ext cx="0" cy="0"/>
-          <a:chOff x="0" y="0"/>
-          <a:chExt cx="0" cy="0"/>
-        </a:xfrm>
-      </p:grpSpPr>
-      <p:sp>
-        <p:nvSpPr>
-          <p:cNvPr id="195" name="Shape 195"/>
-          <p:cNvSpPr txBox="1">
-            <a:spLocks noGrp="1"/>
-          </p:cNvSpPr>
-          <p:nvPr>
-            <p:ph type="title"/>
-          </p:nvPr>
-        </p:nvSpPr>
-        <p:spPr>
-          <a:xfrm>
-            <a:off x="311700" y="2150850"/>
-            <a:ext cx="8520600" cy="841800"/>
-          </a:xfrm>
-          <a:prstGeom prst="rect">
-            <a:avLst/>
-          </a:prstGeom>
-        </p:spPr>
-        <p:txBody>
-          <a:bodyPr lIns="91425" tIns="91425" rIns="91425" bIns="91425" anchor="ctr" anchorCtr="0"/>
-          <a:lstStyle>
-            <a:lvl1pPr lvl="0" algn="ctr" rtl="0">
-              <a:spcBef>
-                <a:spcPts val="0"/>
-              </a:spcBef>
-              <a:buSzPct val="100000"/>
-              <a:defRPr sz="3600"/>
-            </a:lvl1pPr>
-            <a:lvl2pPr lvl="1" algn="ctr" rtl="0">
-              <a:spcBef>
-                <a:spcPts val="0"/>
-              </a:spcBef>
-              <a:buSzPct val="100000"/>
-              <a:defRPr sz="3600"/>
-            </a:lvl2pPr>
-            <a:lvl3pPr lvl="2" algn="ctr" rtl="0">
-              <a:spcBef>
-                <a:spcPts val="0"/>
-              </a:spcBef>
-              <a:buSzPct val="100000"/>
-              <a:defRPr sz="3600"/>
-            </a:lvl3pPr>
-            <a:lvl4pPr lvl="3" algn="ctr" rtl="0">
-              <a:spcBef>
-                <a:spcPts val="0"/>
-              </a:spcBef>
-              <a:buSzPct val="100000"/>
-              <a:defRPr sz="3600"/>
-            </a:lvl4pPr>
-            <a:lvl5pPr lvl="4" algn="ctr" rtl="0">
-              <a:spcBef>
-                <a:spcPts val="0"/>
-              </a:spcBef>
-              <a:buSzPct val="100000"/>
-              <a:defRPr sz="3600"/>
-            </a:lvl5pPr>
-            <a:lvl6pPr lvl="5" algn="ctr" rtl="0">
-              <a:spcBef>
-                <a:spcPts val="0"/>
-              </a:spcBef>
-              <a:buSzPct val="100000"/>
-              <a:defRPr sz="3600"/>
-            </a:lvl6pPr>
-            <a:lvl7pPr lvl="6" algn="ctr" rtl="0">
-              <a:spcBef>
-                <a:spcPts val="0"/>
-              </a:spcBef>
-              <a:buSzPct val="100000"/>
-              <a:defRPr sz="3600"/>
-            </a:lvl7pPr>
-            <a:lvl8pPr lvl="7" algn="ctr" rtl="0">
-              <a:spcBef>
-                <a:spcPts val="0"/>
-              </a:spcBef>
-              <a:buSzPct val="100000"/>
-              <a:defRPr sz="3600"/>
-            </a:lvl8pPr>
-            <a:lvl9pPr lvl="8" algn="ctr" rtl="0">
-              <a:spcBef>
-                <a:spcPts val="0"/>
-              </a:spcBef>
-              <a:buSzPct val="100000"/>
-              <a:defRPr sz="3600"/>
-            </a:lvl9pPr>
-          </a:lstStyle>
-          <a:p>
-            <a:endParaRPr/>
-          </a:p>
-        </p:txBody>
-      </p:sp>
-      <p:sp>
-        <p:nvSpPr>
-          <p:cNvPr id="196" name="Shape 196"/>
-          <p:cNvSpPr txBox="1">
-            <a:spLocks noGrp="1"/>
-          </p:cNvSpPr>
-          <p:nvPr>
-            <p:ph type="sldNum" idx="12"/>
-          </p:nvPr>
-        </p:nvSpPr>
-        <p:spPr>
-          <a:xfrm>
-            <a:off x="8472457" y="4663216"/>
-            <a:ext cx="548700" cy="393600"/>
-          </a:xfrm>
-          <a:prstGeom prst="rect">
-            <a:avLst/>
-          </a:prstGeom>
-        </p:spPr>
-        <p:txBody>
-          <a:bodyPr lIns="91425" tIns="91425" rIns="91425" bIns="91425" anchor="ctr" anchorCtr="0">
-            <a:noAutofit/>
-          </a:bodyPr>
-          <a:lstStyle/>
-          <a:p>
-            <a:pPr lvl="0" rtl="0">
-              <a:spcBef>
-                <a:spcPts val="0"/>
-              </a:spcBef>
-              <a:buNone/>
-            </a:pPr>
-            <a:fld id="{00000000-1234-1234-1234-123412341234}" type="slidenum">
-              <a:rPr lang="en"/>
-              <a:t>‹#›</a:t>
-            </a:fld>
-            <a:endParaRPr lang="en"/>
-          </a:p>
-        </p:txBody>
-      </p:sp>
-    </p:spTree>
-  </p:cSld>
-  <p:clrMapOvr>
-    <a:masterClrMapping/>
-  </p:clrMapOvr>
-</p:sldLayout>
-</file>
-
-<file path=ppt/slideLayouts/slideLayout5.xml><?xml version="1.0" encoding="utf-8"?>
-<p:sldLayout xmlns:a="http://schemas.openxmlformats.org/drawingml/2006/main" xmlns:r="http://schemas.openxmlformats.org/officeDocument/2006/relationships" xmlns:p="http://schemas.openxmlformats.org/presentationml/2006/main" type="titleOnly">
-  <p:cSld name="Title only">
-    <p:spTree>
-      <p:nvGrpSpPr>
-        <p:cNvPr id="1" name="Shape 25"/>
-        <p:cNvGrpSpPr/>
-        <p:nvPr/>
-      </p:nvGrpSpPr>
-      <p:grpSpPr>
-        <a:xfrm>
-          <a:off x="0" y="0"/>
-          <a:ext cx="0" cy="0"/>
-          <a:chOff x="0" y="0"/>
-          <a:chExt cx="0" cy="0"/>
-        </a:xfrm>
-      </p:grpSpPr>
-      <p:sp>
-        <p:nvSpPr>
-          <p:cNvPr id="26" name="Shape 26"/>
-          <p:cNvSpPr txBox="1">
-            <a:spLocks noGrp="1"/>
-          </p:cNvSpPr>
-          <p:nvPr>
-            <p:ph type="title"/>
-          </p:nvPr>
-        </p:nvSpPr>
-        <p:spPr>
-          <a:xfrm>
-            <a:off x="311700" y="445025"/>
-            <a:ext cx="8520599" cy="572699"/>
-          </a:xfrm>
-          <a:prstGeom prst="rect">
-            <a:avLst/>
-          </a:prstGeom>
-        </p:spPr>
-        <p:txBody>
-          <a:bodyPr lIns="91425" tIns="91425" rIns="91425" bIns="91425" anchor="t" anchorCtr="0"/>
-          <a:lstStyle>
-            <a:lvl1pPr lvl="0">
-              <a:spcBef>
-                <a:spcPts val="0"/>
-              </a:spcBef>
-              <a:defRPr/>
-            </a:lvl1pPr>
-            <a:lvl2pPr lvl="1">
-              <a:spcBef>
-                <a:spcPts val="0"/>
-              </a:spcBef>
-              <a:defRPr/>
-            </a:lvl2pPr>
-            <a:lvl3pPr lvl="2">
-              <a:spcBef>
-                <a:spcPts val="0"/>
-              </a:spcBef>
-              <a:defRPr/>
-            </a:lvl3pPr>
-            <a:lvl4pPr lvl="3">
-              <a:spcBef>
-                <a:spcPts val="0"/>
-              </a:spcBef>
-              <a:defRPr/>
-            </a:lvl4pPr>
-            <a:lvl5pPr lvl="4">
-              <a:spcBef>
-                <a:spcPts val="0"/>
-              </a:spcBef>
-              <a:defRPr/>
-            </a:lvl5pPr>
-            <a:lvl6pPr lvl="5">
-              <a:spcBef>
-                <a:spcPts val="0"/>
-              </a:spcBef>
-              <a:defRPr/>
-            </a:lvl6pPr>
-            <a:lvl7pPr lvl="6">
-              <a:spcBef>
-                <a:spcPts val="0"/>
-              </a:spcBef>
-              <a:defRPr/>
-            </a:lvl7pPr>
-            <a:lvl8pPr lvl="7">
-              <a:spcBef>
-                <a:spcPts val="0"/>
-              </a:spcBef>
-              <a:defRPr/>
-            </a:lvl8pPr>
-            <a:lvl9pPr lvl="8">
-              <a:spcBef>
-                <a:spcPts val="0"/>
-              </a:spcBef>
-              <a:defRPr/>
-            </a:lvl9pPr>
-          </a:lstStyle>
-          <a:p>
-            <a:endParaRPr/>
-          </a:p>
-        </p:txBody>
-      </p:sp>
-      <p:sp>
-        <p:nvSpPr>
-          <p:cNvPr id="27" name="Shape 27"/>
-          <p:cNvSpPr txBox="1">
-            <a:spLocks noGrp="1"/>
-          </p:cNvSpPr>
-          <p:nvPr>
-            <p:ph type="sldNum" idx="12"/>
-          </p:nvPr>
-        </p:nvSpPr>
-        <p:spPr>
-          <a:xfrm>
-            <a:off x="8472457" y="4663216"/>
-            <a:ext cx="548699" cy="393600"/>
-          </a:xfrm>
-          <a:prstGeom prst="rect">
-            <a:avLst/>
-          </a:prstGeom>
-        </p:spPr>
-        <p:txBody>
-          <a:bodyPr lIns="91425" tIns="91425" rIns="91425" bIns="91425" anchor="ctr" anchorCtr="0">
-            <a:noAutofit/>
-          </a:bodyPr>
-          <a:lstStyle/>
-          <a:p>
-            <a:pPr lvl="0">
-              <a:spcBef>
-                <a:spcPts val="0"/>
-              </a:spcBef>
-              <a:buNone/>
-            </a:pPr>
-            <a:fld id="{00000000-1234-1234-1234-123412341234}" type="slidenum">
-              <a:rPr lang="en"/>
-              <a:t>‹#›</a:t>
-            </a:fld>
-            <a:endParaRPr lang="en"/>
-          </a:p>
-        </p:txBody>
-      </p:sp>
-    </p:spTree>
-  </p:cSld>
-  <p:clrMapOvr>
-    <a:masterClrMapping/>
-  </p:clrMapOvr>
-</p:sldLayout>
-</file>
-
-<file path=ppt/slideLayouts/slideLayout50.xml><?xml version="1.0" encoding="utf-8"?>
-<p:sldLayout xmlns:a="http://schemas.openxmlformats.org/drawingml/2006/main" xmlns:r="http://schemas.openxmlformats.org/officeDocument/2006/relationships" xmlns:p="http://schemas.openxmlformats.org/presentationml/2006/main" type="tx">
-  <p:cSld name="Title and body">
-    <p:spTree>
-      <p:nvGrpSpPr>
-        <p:cNvPr id="1" name="Shape 197"/>
-        <p:cNvGrpSpPr/>
-        <p:nvPr/>
-      </p:nvGrpSpPr>
-      <p:grpSpPr>
-        <a:xfrm>
-          <a:off x="0" y="0"/>
-          <a:ext cx="0" cy="0"/>
-          <a:chOff x="0" y="0"/>
-          <a:chExt cx="0" cy="0"/>
-        </a:xfrm>
-      </p:grpSpPr>
-      <p:sp>
-        <p:nvSpPr>
-          <p:cNvPr id="198" name="Shape 198"/>
-          <p:cNvSpPr txBox="1">
-            <a:spLocks noGrp="1"/>
-          </p:cNvSpPr>
-          <p:nvPr>
-            <p:ph type="title"/>
-          </p:nvPr>
-        </p:nvSpPr>
-        <p:spPr>
-          <a:xfrm>
-            <a:off x="311700" y="445025"/>
-            <a:ext cx="8520600" cy="572700"/>
-          </a:xfrm>
-          <a:prstGeom prst="rect">
-            <a:avLst/>
-          </a:prstGeom>
-        </p:spPr>
-        <p:txBody>
-          <a:bodyPr lIns="91425" tIns="91425" rIns="91425" bIns="91425" anchor="t" anchorCtr="0"/>
-          <a:lstStyle>
-            <a:lvl1pPr lvl="0" rtl="0">
-              <a:spcBef>
-                <a:spcPts val="0"/>
-              </a:spcBef>
-              <a:defRPr/>
-            </a:lvl1pPr>
-            <a:lvl2pPr lvl="1" rtl="0">
-              <a:spcBef>
-                <a:spcPts val="0"/>
-              </a:spcBef>
-              <a:defRPr/>
-            </a:lvl2pPr>
-            <a:lvl3pPr lvl="2" rtl="0">
-              <a:spcBef>
-                <a:spcPts val="0"/>
-              </a:spcBef>
-              <a:defRPr/>
-            </a:lvl3pPr>
-            <a:lvl4pPr lvl="3" rtl="0">
-              <a:spcBef>
-                <a:spcPts val="0"/>
-              </a:spcBef>
-              <a:defRPr/>
-            </a:lvl4pPr>
-            <a:lvl5pPr lvl="4" rtl="0">
-              <a:spcBef>
-                <a:spcPts val="0"/>
-              </a:spcBef>
-              <a:defRPr/>
-            </a:lvl5pPr>
-            <a:lvl6pPr lvl="5" rtl="0">
-              <a:spcBef>
-                <a:spcPts val="0"/>
-              </a:spcBef>
-              <a:defRPr/>
-            </a:lvl6pPr>
-            <a:lvl7pPr lvl="6" rtl="0">
-              <a:spcBef>
-                <a:spcPts val="0"/>
-              </a:spcBef>
-              <a:defRPr/>
-            </a:lvl7pPr>
-            <a:lvl8pPr lvl="7" rtl="0">
-              <a:spcBef>
-                <a:spcPts val="0"/>
-              </a:spcBef>
-              <a:defRPr/>
-            </a:lvl8pPr>
-            <a:lvl9pPr lvl="8" rtl="0">
-              <a:spcBef>
-                <a:spcPts val="0"/>
-              </a:spcBef>
-              <a:defRPr/>
-            </a:lvl9pPr>
-          </a:lstStyle>
-          <a:p>
-            <a:endParaRPr/>
-          </a:p>
-        </p:txBody>
-      </p:sp>
-      <p:sp>
-        <p:nvSpPr>
-          <p:cNvPr id="199" name="Shape 199"/>
-          <p:cNvSpPr txBox="1">
-            <a:spLocks noGrp="1"/>
-          </p:cNvSpPr>
-          <p:nvPr>
-            <p:ph type="body" idx="1"/>
-          </p:nvPr>
-        </p:nvSpPr>
-        <p:spPr>
-          <a:xfrm>
-            <a:off x="311700" y="1152475"/>
-            <a:ext cx="8520600" cy="3416400"/>
-          </a:xfrm>
-          <a:prstGeom prst="rect">
-            <a:avLst/>
-          </a:prstGeom>
-        </p:spPr>
-        <p:txBody>
-          <a:bodyPr lIns="91425" tIns="91425" rIns="91425" bIns="91425" anchor="t" anchorCtr="0"/>
-          <a:lstStyle>
-            <a:lvl1pPr lvl="0" rtl="0">
-              <a:spcBef>
-                <a:spcPts val="0"/>
-              </a:spcBef>
-              <a:defRPr/>
-            </a:lvl1pPr>
-            <a:lvl2pPr lvl="1" rtl="0">
-              <a:spcBef>
-                <a:spcPts val="0"/>
-              </a:spcBef>
-              <a:defRPr/>
-            </a:lvl2pPr>
-            <a:lvl3pPr lvl="2" rtl="0">
-              <a:spcBef>
-                <a:spcPts val="0"/>
-              </a:spcBef>
-              <a:defRPr/>
-            </a:lvl3pPr>
-            <a:lvl4pPr lvl="3" rtl="0">
-              <a:spcBef>
-                <a:spcPts val="0"/>
-              </a:spcBef>
-              <a:defRPr/>
-            </a:lvl4pPr>
-            <a:lvl5pPr lvl="4" rtl="0">
-              <a:spcBef>
-                <a:spcPts val="0"/>
-              </a:spcBef>
-              <a:defRPr/>
-            </a:lvl5pPr>
-            <a:lvl6pPr lvl="5" rtl="0">
-              <a:spcBef>
-                <a:spcPts val="0"/>
-              </a:spcBef>
-              <a:defRPr/>
-            </a:lvl6pPr>
-            <a:lvl7pPr lvl="6" rtl="0">
-              <a:spcBef>
-                <a:spcPts val="0"/>
-              </a:spcBef>
-              <a:defRPr/>
-            </a:lvl7pPr>
-            <a:lvl8pPr lvl="7" rtl="0">
-              <a:spcBef>
-                <a:spcPts val="0"/>
-              </a:spcBef>
-              <a:defRPr/>
-            </a:lvl8pPr>
-            <a:lvl9pPr lvl="8" rtl="0">
-              <a:spcBef>
-                <a:spcPts val="0"/>
-              </a:spcBef>
-              <a:defRPr/>
-            </a:lvl9pPr>
-          </a:lstStyle>
-          <a:p>
-            <a:endParaRPr/>
-          </a:p>
-        </p:txBody>
-      </p:sp>
-      <p:sp>
-        <p:nvSpPr>
-          <p:cNvPr id="200" name="Shape 200"/>
-          <p:cNvSpPr txBox="1">
-            <a:spLocks noGrp="1"/>
-          </p:cNvSpPr>
-          <p:nvPr>
-            <p:ph type="sldNum" idx="12"/>
-          </p:nvPr>
-        </p:nvSpPr>
-        <p:spPr>
-          <a:xfrm>
-            <a:off x="8472457" y="4663216"/>
-            <a:ext cx="548700" cy="393600"/>
-          </a:xfrm>
-          <a:prstGeom prst="rect">
-            <a:avLst/>
-          </a:prstGeom>
-        </p:spPr>
-        <p:txBody>
-          <a:bodyPr lIns="91425" tIns="91425" rIns="91425" bIns="91425" anchor="ctr" anchorCtr="0">
-            <a:noAutofit/>
-          </a:bodyPr>
-          <a:lstStyle/>
-          <a:p>
-            <a:pPr lvl="0" rtl="0">
-              <a:spcBef>
-                <a:spcPts val="0"/>
-              </a:spcBef>
-              <a:buNone/>
-            </a:pPr>
-            <a:fld id="{00000000-1234-1234-1234-123412341234}" type="slidenum">
-              <a:rPr lang="en"/>
-              <a:t>‹#›</a:t>
-            </a:fld>
-            <a:endParaRPr lang="en"/>
-          </a:p>
-        </p:txBody>
-      </p:sp>
-    </p:spTree>
-  </p:cSld>
-  <p:clrMapOvr>
-    <a:masterClrMapping/>
-  </p:clrMapOvr>
-</p:sldLayout>
-</file>
-
-<file path=ppt/slideLayouts/slideLayout51.xml><?xml version="1.0" encoding="utf-8"?>
-<p:sldLayout xmlns:a="http://schemas.openxmlformats.org/drawingml/2006/main" xmlns:r="http://schemas.openxmlformats.org/officeDocument/2006/relationships" xmlns:p="http://schemas.openxmlformats.org/presentationml/2006/main" type="twoColTx">
-  <p:cSld name="Title and two columns">
-    <p:spTree>
-      <p:nvGrpSpPr>
-        <p:cNvPr id="1" name="Shape 201"/>
-        <p:cNvGrpSpPr/>
-        <p:nvPr/>
-      </p:nvGrpSpPr>
-      <p:grpSpPr>
-        <a:xfrm>
-          <a:off x="0" y="0"/>
-          <a:ext cx="0" cy="0"/>
-          <a:chOff x="0" y="0"/>
-          <a:chExt cx="0" cy="0"/>
-        </a:xfrm>
-      </p:grpSpPr>
-      <p:sp>
-        <p:nvSpPr>
-          <p:cNvPr id="202" name="Shape 202"/>
-          <p:cNvSpPr txBox="1">
-            <a:spLocks noGrp="1"/>
-          </p:cNvSpPr>
-          <p:nvPr>
-            <p:ph type="title"/>
-          </p:nvPr>
-        </p:nvSpPr>
-        <p:spPr>
-          <a:xfrm>
-            <a:off x="311700" y="445025"/>
-            <a:ext cx="8520600" cy="572700"/>
-          </a:xfrm>
-          <a:prstGeom prst="rect">
-            <a:avLst/>
-          </a:prstGeom>
-        </p:spPr>
-        <p:txBody>
-          <a:bodyPr lIns="91425" tIns="91425" rIns="91425" bIns="91425" anchor="t" anchorCtr="0"/>
-          <a:lstStyle>
-            <a:lvl1pPr lvl="0" rtl="0">
-              <a:spcBef>
-                <a:spcPts val="0"/>
-              </a:spcBef>
-              <a:defRPr/>
-            </a:lvl1pPr>
-            <a:lvl2pPr lvl="1" rtl="0">
-              <a:spcBef>
-                <a:spcPts val="0"/>
-              </a:spcBef>
-              <a:defRPr/>
-            </a:lvl2pPr>
-            <a:lvl3pPr lvl="2" rtl="0">
-              <a:spcBef>
-                <a:spcPts val="0"/>
-              </a:spcBef>
-              <a:defRPr/>
-            </a:lvl3pPr>
-            <a:lvl4pPr lvl="3" rtl="0">
-              <a:spcBef>
-                <a:spcPts val="0"/>
-              </a:spcBef>
-              <a:defRPr/>
-            </a:lvl4pPr>
-            <a:lvl5pPr lvl="4" rtl="0">
-              <a:spcBef>
-                <a:spcPts val="0"/>
-              </a:spcBef>
-              <a:defRPr/>
-            </a:lvl5pPr>
-            <a:lvl6pPr lvl="5" rtl="0">
-              <a:spcBef>
-                <a:spcPts val="0"/>
-              </a:spcBef>
-              <a:defRPr/>
-            </a:lvl6pPr>
-            <a:lvl7pPr lvl="6" rtl="0">
-              <a:spcBef>
-                <a:spcPts val="0"/>
-              </a:spcBef>
-              <a:defRPr/>
-            </a:lvl7pPr>
-            <a:lvl8pPr lvl="7" rtl="0">
-              <a:spcBef>
-                <a:spcPts val="0"/>
-              </a:spcBef>
-              <a:defRPr/>
-            </a:lvl8pPr>
-            <a:lvl9pPr lvl="8" rtl="0">
-              <a:spcBef>
-                <a:spcPts val="0"/>
-              </a:spcBef>
-              <a:defRPr/>
-            </a:lvl9pPr>
-          </a:lstStyle>
-          <a:p>
-            <a:endParaRPr/>
-          </a:p>
-        </p:txBody>
-      </p:sp>
-      <p:sp>
-        <p:nvSpPr>
-          <p:cNvPr id="203" name="Shape 203"/>
-          <p:cNvSpPr txBox="1">
-            <a:spLocks noGrp="1"/>
-          </p:cNvSpPr>
-          <p:nvPr>
-            <p:ph type="body" idx="1"/>
-          </p:nvPr>
-        </p:nvSpPr>
-        <p:spPr>
-          <a:xfrm>
-            <a:off x="311700" y="1152475"/>
-            <a:ext cx="3999900" cy="3416400"/>
-          </a:xfrm>
-          <a:prstGeom prst="rect">
-            <a:avLst/>
-          </a:prstGeom>
-        </p:spPr>
-        <p:txBody>
-          <a:bodyPr lIns="91425" tIns="91425" rIns="91425" bIns="91425" anchor="t" anchorCtr="0"/>
-          <a:lstStyle>
-            <a:lvl1pPr lvl="0" rtl="0">
-              <a:spcBef>
-                <a:spcPts val="0"/>
-              </a:spcBef>
-              <a:buSzPct val="100000"/>
-              <a:defRPr sz="1400"/>
-            </a:lvl1pPr>
-            <a:lvl2pPr lvl="1" rtl="0">
-              <a:spcBef>
-                <a:spcPts val="0"/>
-              </a:spcBef>
-              <a:buSzPct val="100000"/>
-              <a:defRPr sz="1200"/>
-            </a:lvl2pPr>
-            <a:lvl3pPr lvl="2" rtl="0">
-              <a:spcBef>
-                <a:spcPts val="0"/>
-              </a:spcBef>
-              <a:buSzPct val="100000"/>
-              <a:defRPr sz="1200"/>
-            </a:lvl3pPr>
-            <a:lvl4pPr lvl="3" rtl="0">
-              <a:spcBef>
-                <a:spcPts val="0"/>
-              </a:spcBef>
-              <a:buSzPct val="100000"/>
-              <a:defRPr sz="1200"/>
-            </a:lvl4pPr>
-            <a:lvl5pPr lvl="4" rtl="0">
-              <a:spcBef>
-                <a:spcPts val="0"/>
-              </a:spcBef>
-              <a:buSzPct val="100000"/>
-              <a:defRPr sz="1200"/>
-            </a:lvl5pPr>
-            <a:lvl6pPr lvl="5" rtl="0">
-              <a:spcBef>
-                <a:spcPts val="0"/>
-              </a:spcBef>
-              <a:buSzPct val="100000"/>
-              <a:defRPr sz="1200"/>
-            </a:lvl6pPr>
-            <a:lvl7pPr lvl="6" rtl="0">
-              <a:spcBef>
-                <a:spcPts val="0"/>
-              </a:spcBef>
-              <a:buSzPct val="100000"/>
-              <a:defRPr sz="1200"/>
-            </a:lvl7pPr>
-            <a:lvl8pPr lvl="7" rtl="0">
-              <a:spcBef>
-                <a:spcPts val="0"/>
-              </a:spcBef>
-              <a:buSzPct val="100000"/>
-              <a:defRPr sz="1200"/>
-            </a:lvl8pPr>
-            <a:lvl9pPr lvl="8" rtl="0">
-              <a:spcBef>
-                <a:spcPts val="0"/>
-              </a:spcBef>
-              <a:buSzPct val="100000"/>
-              <a:defRPr sz="1200"/>
-            </a:lvl9pPr>
-          </a:lstStyle>
-          <a:p>
-            <a:endParaRPr/>
-          </a:p>
-        </p:txBody>
-      </p:sp>
-      <p:sp>
-        <p:nvSpPr>
-          <p:cNvPr id="204" name="Shape 204"/>
-          <p:cNvSpPr txBox="1">
-            <a:spLocks noGrp="1"/>
-          </p:cNvSpPr>
-          <p:nvPr>
-            <p:ph type="body" idx="2"/>
-          </p:nvPr>
-        </p:nvSpPr>
-        <p:spPr>
-          <a:xfrm>
-            <a:off x="4832400" y="1152475"/>
-            <a:ext cx="3999900" cy="3416400"/>
-          </a:xfrm>
-          <a:prstGeom prst="rect">
-            <a:avLst/>
-          </a:prstGeom>
-        </p:spPr>
-        <p:txBody>
-          <a:bodyPr lIns="91425" tIns="91425" rIns="91425" bIns="91425" anchor="t" anchorCtr="0"/>
-          <a:lstStyle>
-            <a:lvl1pPr lvl="0" rtl="0">
-              <a:spcBef>
-                <a:spcPts val="0"/>
-              </a:spcBef>
-              <a:buSzPct val="100000"/>
-              <a:defRPr sz="1400"/>
-            </a:lvl1pPr>
-            <a:lvl2pPr lvl="1" rtl="0">
-              <a:spcBef>
-                <a:spcPts val="0"/>
-              </a:spcBef>
-              <a:buSzPct val="100000"/>
-              <a:defRPr sz="1200"/>
-            </a:lvl2pPr>
-            <a:lvl3pPr lvl="2" rtl="0">
-              <a:spcBef>
-                <a:spcPts val="0"/>
-              </a:spcBef>
-              <a:buSzPct val="100000"/>
-              <a:defRPr sz="1200"/>
-            </a:lvl3pPr>
-            <a:lvl4pPr lvl="3" rtl="0">
-              <a:spcBef>
-                <a:spcPts val="0"/>
-              </a:spcBef>
-              <a:buSzPct val="100000"/>
-              <a:defRPr sz="1200"/>
-            </a:lvl4pPr>
-            <a:lvl5pPr lvl="4" rtl="0">
-              <a:spcBef>
-                <a:spcPts val="0"/>
-              </a:spcBef>
-              <a:buSzPct val="100000"/>
-              <a:defRPr sz="1200"/>
-            </a:lvl5pPr>
-            <a:lvl6pPr lvl="5" rtl="0">
-              <a:spcBef>
-                <a:spcPts val="0"/>
-              </a:spcBef>
-              <a:buSzPct val="100000"/>
-              <a:defRPr sz="1200"/>
-            </a:lvl6pPr>
-            <a:lvl7pPr lvl="6" rtl="0">
-              <a:spcBef>
-                <a:spcPts val="0"/>
-              </a:spcBef>
-              <a:buSzPct val="100000"/>
-              <a:defRPr sz="1200"/>
-            </a:lvl7pPr>
-            <a:lvl8pPr lvl="7" rtl="0">
-              <a:spcBef>
-                <a:spcPts val="0"/>
-              </a:spcBef>
-              <a:buSzPct val="100000"/>
-              <a:defRPr sz="1200"/>
-            </a:lvl8pPr>
-            <a:lvl9pPr lvl="8" rtl="0">
-              <a:spcBef>
-                <a:spcPts val="0"/>
-              </a:spcBef>
-              <a:buSzPct val="100000"/>
-              <a:defRPr sz="1200"/>
-            </a:lvl9pPr>
-          </a:lstStyle>
-          <a:p>
-            <a:endParaRPr/>
-          </a:p>
-        </p:txBody>
-      </p:sp>
-      <p:sp>
-        <p:nvSpPr>
-          <p:cNvPr id="205" name="Shape 205"/>
-          <p:cNvSpPr txBox="1">
-            <a:spLocks noGrp="1"/>
-          </p:cNvSpPr>
-          <p:nvPr>
-            <p:ph type="sldNum" idx="12"/>
-          </p:nvPr>
-        </p:nvSpPr>
-        <p:spPr>
-          <a:xfrm>
-            <a:off x="8472457" y="4663216"/>
-            <a:ext cx="548700" cy="393600"/>
-          </a:xfrm>
-          <a:prstGeom prst="rect">
-            <a:avLst/>
-          </a:prstGeom>
-        </p:spPr>
-        <p:txBody>
-          <a:bodyPr lIns="91425" tIns="91425" rIns="91425" bIns="91425" anchor="ctr" anchorCtr="0">
-            <a:noAutofit/>
-          </a:bodyPr>
-          <a:lstStyle/>
-          <a:p>
-            <a:pPr lvl="0" rtl="0">
-              <a:spcBef>
-                <a:spcPts val="0"/>
-              </a:spcBef>
-              <a:buNone/>
-            </a:pPr>
-            <a:fld id="{00000000-1234-1234-1234-123412341234}" type="slidenum">
-              <a:rPr lang="en"/>
-              <a:t>‹#›</a:t>
-            </a:fld>
-            <a:endParaRPr lang="en"/>
-          </a:p>
-        </p:txBody>
-      </p:sp>
-    </p:spTree>
-  </p:cSld>
-  <p:clrMapOvr>
-    <a:masterClrMapping/>
-  </p:clrMapOvr>
-</p:sldLayout>
-</file>
-
-<file path=ppt/slideLayouts/slideLayout52.xml><?xml version="1.0" encoding="utf-8"?>
-<p:sldLayout xmlns:a="http://schemas.openxmlformats.org/drawingml/2006/main" xmlns:r="http://schemas.openxmlformats.org/officeDocument/2006/relationships" xmlns:p="http://schemas.openxmlformats.org/presentationml/2006/main" type="titleOnly">
-  <p:cSld name="Title only">
-    <p:spTree>
-      <p:nvGrpSpPr>
-        <p:cNvPr id="1" name="Shape 206"/>
-        <p:cNvGrpSpPr/>
-        <p:nvPr/>
-      </p:nvGrpSpPr>
-      <p:grpSpPr>
-        <a:xfrm>
-          <a:off x="0" y="0"/>
-          <a:ext cx="0" cy="0"/>
-          <a:chOff x="0" y="0"/>
-          <a:chExt cx="0" cy="0"/>
-        </a:xfrm>
-      </p:grpSpPr>
-      <p:sp>
-        <p:nvSpPr>
-          <p:cNvPr id="207" name="Shape 207"/>
-          <p:cNvSpPr txBox="1">
-            <a:spLocks noGrp="1"/>
-          </p:cNvSpPr>
-          <p:nvPr>
-            <p:ph type="title"/>
-          </p:nvPr>
-        </p:nvSpPr>
-        <p:spPr>
-          <a:xfrm>
-            <a:off x="311700" y="445025"/>
-            <a:ext cx="8520600" cy="572700"/>
-          </a:xfrm>
-          <a:prstGeom prst="rect">
-            <a:avLst/>
-          </a:prstGeom>
-        </p:spPr>
-        <p:txBody>
-          <a:bodyPr lIns="91425" tIns="91425" rIns="91425" bIns="91425" anchor="t" anchorCtr="0"/>
-          <a:lstStyle>
-            <a:lvl1pPr lvl="0" rtl="0">
-              <a:spcBef>
-                <a:spcPts val="0"/>
-              </a:spcBef>
-              <a:defRPr/>
-            </a:lvl1pPr>
-            <a:lvl2pPr lvl="1" rtl="0">
-              <a:spcBef>
-                <a:spcPts val="0"/>
-              </a:spcBef>
-              <a:defRPr/>
-            </a:lvl2pPr>
-            <a:lvl3pPr lvl="2" rtl="0">
-              <a:spcBef>
-                <a:spcPts val="0"/>
-              </a:spcBef>
-              <a:defRPr/>
-            </a:lvl3pPr>
-            <a:lvl4pPr lvl="3" rtl="0">
-              <a:spcBef>
-                <a:spcPts val="0"/>
-              </a:spcBef>
-              <a:defRPr/>
-            </a:lvl4pPr>
-            <a:lvl5pPr lvl="4" rtl="0">
-              <a:spcBef>
-                <a:spcPts val="0"/>
-              </a:spcBef>
-              <a:defRPr/>
-            </a:lvl5pPr>
-            <a:lvl6pPr lvl="5" rtl="0">
-              <a:spcBef>
-                <a:spcPts val="0"/>
-              </a:spcBef>
-              <a:defRPr/>
-            </a:lvl6pPr>
-            <a:lvl7pPr lvl="6" rtl="0">
-              <a:spcBef>
-                <a:spcPts val="0"/>
-              </a:spcBef>
-              <a:defRPr/>
-            </a:lvl7pPr>
-            <a:lvl8pPr lvl="7" rtl="0">
-              <a:spcBef>
-                <a:spcPts val="0"/>
-              </a:spcBef>
-              <a:defRPr/>
-            </a:lvl8pPr>
-            <a:lvl9pPr lvl="8" rtl="0">
-              <a:spcBef>
-                <a:spcPts val="0"/>
-              </a:spcBef>
-              <a:defRPr/>
-            </a:lvl9pPr>
-          </a:lstStyle>
-          <a:p>
-            <a:endParaRPr/>
-          </a:p>
-        </p:txBody>
-      </p:sp>
-      <p:sp>
-        <p:nvSpPr>
-          <p:cNvPr id="208" name="Shape 208"/>
-          <p:cNvSpPr txBox="1">
-            <a:spLocks noGrp="1"/>
-          </p:cNvSpPr>
-          <p:nvPr>
-            <p:ph type="sldNum" idx="12"/>
-          </p:nvPr>
-        </p:nvSpPr>
-        <p:spPr>
-          <a:xfrm>
-            <a:off x="8472457" y="4663216"/>
-            <a:ext cx="548700" cy="393600"/>
-          </a:xfrm>
-          <a:prstGeom prst="rect">
-            <a:avLst/>
-          </a:prstGeom>
-        </p:spPr>
-        <p:txBody>
-          <a:bodyPr lIns="91425" tIns="91425" rIns="91425" bIns="91425" anchor="ctr" anchorCtr="0">
-            <a:noAutofit/>
-          </a:bodyPr>
-          <a:lstStyle/>
-          <a:p>
-            <a:pPr lvl="0" rtl="0">
-              <a:spcBef>
-                <a:spcPts val="0"/>
-              </a:spcBef>
-              <a:buNone/>
-            </a:pPr>
-            <a:fld id="{00000000-1234-1234-1234-123412341234}" type="slidenum">
-              <a:rPr lang="en"/>
-              <a:t>‹#›</a:t>
-            </a:fld>
-            <a:endParaRPr lang="en"/>
-          </a:p>
-        </p:txBody>
-      </p:sp>
-    </p:spTree>
-  </p:cSld>
-  <p:clrMapOvr>
-    <a:masterClrMapping/>
-  </p:clrMapOvr>
-</p:sldLayout>
-</file>
-
-<file path=ppt/slideLayouts/slideLayout53.xml><?xml version="1.0" encoding="utf-8"?>
-<p:sldLayout xmlns:a="http://schemas.openxmlformats.org/drawingml/2006/main" xmlns:r="http://schemas.openxmlformats.org/officeDocument/2006/relationships" xmlns:p="http://schemas.openxmlformats.org/presentationml/2006/main">
-  <p:cSld name="One column text">
-    <p:spTree>
-      <p:nvGrpSpPr>
-        <p:cNvPr id="1" name="Shape 209"/>
-        <p:cNvGrpSpPr/>
-        <p:nvPr/>
-      </p:nvGrpSpPr>
-      <p:grpSpPr>
-        <a:xfrm>
-          <a:off x="0" y="0"/>
-          <a:ext cx="0" cy="0"/>
-          <a:chOff x="0" y="0"/>
-          <a:chExt cx="0" cy="0"/>
-        </a:xfrm>
-      </p:grpSpPr>
-      <p:sp>
-        <p:nvSpPr>
-          <p:cNvPr id="210" name="Shape 210"/>
-          <p:cNvSpPr txBox="1">
-            <a:spLocks noGrp="1"/>
-          </p:cNvSpPr>
-          <p:nvPr>
-            <p:ph type="title"/>
-          </p:nvPr>
-        </p:nvSpPr>
-        <p:spPr>
-          <a:xfrm>
-            <a:off x="311700" y="555600"/>
-            <a:ext cx="2808000" cy="755700"/>
-          </a:xfrm>
-          <a:prstGeom prst="rect">
-            <a:avLst/>
-          </a:prstGeom>
-        </p:spPr>
-        <p:txBody>
-          <a:bodyPr lIns="91425" tIns="91425" rIns="91425" bIns="91425" anchor="b" anchorCtr="0"/>
-          <a:lstStyle>
-            <a:lvl1pPr lvl="0" rtl="0">
-              <a:spcBef>
-                <a:spcPts val="0"/>
-              </a:spcBef>
-              <a:buSzPct val="100000"/>
-              <a:defRPr sz="2400"/>
-            </a:lvl1pPr>
-            <a:lvl2pPr lvl="1" rtl="0">
-              <a:spcBef>
-                <a:spcPts val="0"/>
-              </a:spcBef>
-              <a:buSzPct val="100000"/>
-              <a:defRPr sz="2400"/>
-            </a:lvl2pPr>
-            <a:lvl3pPr lvl="2" rtl="0">
-              <a:spcBef>
-                <a:spcPts val="0"/>
-              </a:spcBef>
-              <a:buSzPct val="100000"/>
-              <a:defRPr sz="2400"/>
-            </a:lvl3pPr>
-            <a:lvl4pPr lvl="3" rtl="0">
-              <a:spcBef>
-                <a:spcPts val="0"/>
-              </a:spcBef>
-              <a:buSzPct val="100000"/>
-              <a:defRPr sz="2400"/>
-            </a:lvl4pPr>
-            <a:lvl5pPr lvl="4" rtl="0">
-              <a:spcBef>
-                <a:spcPts val="0"/>
-              </a:spcBef>
-              <a:buSzPct val="100000"/>
-              <a:defRPr sz="2400"/>
-            </a:lvl5pPr>
-            <a:lvl6pPr lvl="5" rtl="0">
-              <a:spcBef>
-                <a:spcPts val="0"/>
-              </a:spcBef>
-              <a:buSzPct val="100000"/>
-              <a:defRPr sz="2400"/>
-            </a:lvl6pPr>
-            <a:lvl7pPr lvl="6" rtl="0">
-              <a:spcBef>
-                <a:spcPts val="0"/>
-              </a:spcBef>
-              <a:buSzPct val="100000"/>
-              <a:defRPr sz="2400"/>
-            </a:lvl7pPr>
-            <a:lvl8pPr lvl="7" rtl="0">
-              <a:spcBef>
-                <a:spcPts val="0"/>
-              </a:spcBef>
-              <a:buSzPct val="100000"/>
-              <a:defRPr sz="2400"/>
-            </a:lvl8pPr>
-            <a:lvl9pPr lvl="8" rtl="0">
-              <a:spcBef>
-                <a:spcPts val="0"/>
-              </a:spcBef>
-              <a:buSzPct val="100000"/>
-              <a:defRPr sz="2400"/>
-            </a:lvl9pPr>
-          </a:lstStyle>
-          <a:p>
-            <a:endParaRPr/>
-          </a:p>
-        </p:txBody>
-      </p:sp>
-      <p:sp>
-        <p:nvSpPr>
-          <p:cNvPr id="211" name="Shape 211"/>
-          <p:cNvSpPr txBox="1">
-            <a:spLocks noGrp="1"/>
-          </p:cNvSpPr>
-          <p:nvPr>
-            <p:ph type="body" idx="1"/>
-          </p:nvPr>
-        </p:nvSpPr>
-        <p:spPr>
-          <a:xfrm>
-            <a:off x="311700" y="1389600"/>
-            <a:ext cx="2808000" cy="3179400"/>
-          </a:xfrm>
-          <a:prstGeom prst="rect">
-            <a:avLst/>
-          </a:prstGeom>
-        </p:spPr>
-        <p:txBody>
-          <a:bodyPr lIns="91425" tIns="91425" rIns="91425" bIns="91425" anchor="t" anchorCtr="0"/>
-          <a:lstStyle>
-            <a:lvl1pPr lvl="0" rtl="0">
-              <a:spcBef>
-                <a:spcPts val="0"/>
-              </a:spcBef>
-              <a:buSzPct val="100000"/>
-              <a:defRPr sz="1200"/>
-            </a:lvl1pPr>
-            <a:lvl2pPr lvl="1" rtl="0">
-              <a:spcBef>
-                <a:spcPts val="0"/>
-              </a:spcBef>
-              <a:buSzPct val="100000"/>
-              <a:defRPr sz="1200"/>
-            </a:lvl2pPr>
-            <a:lvl3pPr lvl="2" rtl="0">
-              <a:spcBef>
-                <a:spcPts val="0"/>
-              </a:spcBef>
-              <a:buSzPct val="100000"/>
-              <a:defRPr sz="1200"/>
-            </a:lvl3pPr>
-            <a:lvl4pPr lvl="3" rtl="0">
-              <a:spcBef>
-                <a:spcPts val="0"/>
-              </a:spcBef>
-              <a:buSzPct val="100000"/>
-              <a:defRPr sz="1200"/>
-            </a:lvl4pPr>
-            <a:lvl5pPr lvl="4" rtl="0">
-              <a:spcBef>
-                <a:spcPts val="0"/>
-              </a:spcBef>
-              <a:buSzPct val="100000"/>
-              <a:defRPr sz="1200"/>
-            </a:lvl5pPr>
-            <a:lvl6pPr lvl="5" rtl="0">
-              <a:spcBef>
-                <a:spcPts val="0"/>
-              </a:spcBef>
-              <a:buSzPct val="100000"/>
-              <a:defRPr sz="1200"/>
-            </a:lvl6pPr>
-            <a:lvl7pPr lvl="6" rtl="0">
-              <a:spcBef>
-                <a:spcPts val="0"/>
-              </a:spcBef>
-              <a:buSzPct val="100000"/>
-              <a:defRPr sz="1200"/>
-            </a:lvl7pPr>
-            <a:lvl8pPr lvl="7" rtl="0">
-              <a:spcBef>
-                <a:spcPts val="0"/>
-              </a:spcBef>
-              <a:buSzPct val="100000"/>
-              <a:defRPr sz="1200"/>
-            </a:lvl8pPr>
-            <a:lvl9pPr lvl="8" rtl="0">
-              <a:spcBef>
-                <a:spcPts val="0"/>
-              </a:spcBef>
-              <a:buSzPct val="100000"/>
-              <a:defRPr sz="1200"/>
-            </a:lvl9pPr>
-          </a:lstStyle>
-          <a:p>
-            <a:endParaRPr/>
-          </a:p>
-        </p:txBody>
-      </p:sp>
-      <p:sp>
-        <p:nvSpPr>
-          <p:cNvPr id="212" name="Shape 212"/>
-          <p:cNvSpPr txBox="1">
-            <a:spLocks noGrp="1"/>
-          </p:cNvSpPr>
-          <p:nvPr>
-            <p:ph type="sldNum" idx="12"/>
-          </p:nvPr>
-        </p:nvSpPr>
-        <p:spPr>
-          <a:xfrm>
-            <a:off x="8472457" y="4663216"/>
-            <a:ext cx="548700" cy="393600"/>
-          </a:xfrm>
-          <a:prstGeom prst="rect">
-            <a:avLst/>
-          </a:prstGeom>
-        </p:spPr>
-        <p:txBody>
-          <a:bodyPr lIns="91425" tIns="91425" rIns="91425" bIns="91425" anchor="ctr" anchorCtr="0">
-            <a:noAutofit/>
-          </a:bodyPr>
-          <a:lstStyle/>
-          <a:p>
-            <a:pPr lvl="0" rtl="0">
-              <a:spcBef>
-                <a:spcPts val="0"/>
-              </a:spcBef>
-              <a:buNone/>
-            </a:pPr>
-            <a:fld id="{00000000-1234-1234-1234-123412341234}" type="slidenum">
-              <a:rPr lang="en"/>
-              <a:t>‹#›</a:t>
-            </a:fld>
-            <a:endParaRPr lang="en"/>
-          </a:p>
-        </p:txBody>
-      </p:sp>
-    </p:spTree>
-  </p:cSld>
-  <p:clrMapOvr>
-    <a:masterClrMapping/>
-  </p:clrMapOvr>
-</p:sldLayout>
-</file>
-
-<file path=ppt/slideLayouts/slideLayout54.xml><?xml version="1.0" encoding="utf-8"?>
-<p:sldLayout xmlns:a="http://schemas.openxmlformats.org/drawingml/2006/main" xmlns:r="http://schemas.openxmlformats.org/officeDocument/2006/relationships" xmlns:p="http://schemas.openxmlformats.org/presentationml/2006/main">
-  <p:cSld name="Main point">
-    <p:spTree>
-      <p:nvGrpSpPr>
-        <p:cNvPr id="1" name="Shape 213"/>
-        <p:cNvGrpSpPr/>
-        <p:nvPr/>
-      </p:nvGrpSpPr>
-      <p:grpSpPr>
-        <a:xfrm>
-          <a:off x="0" y="0"/>
-          <a:ext cx="0" cy="0"/>
-          <a:chOff x="0" y="0"/>
-          <a:chExt cx="0" cy="0"/>
-        </a:xfrm>
-      </p:grpSpPr>
-      <p:sp>
-        <p:nvSpPr>
-          <p:cNvPr id="214" name="Shape 214"/>
-          <p:cNvSpPr txBox="1">
-            <a:spLocks noGrp="1"/>
-          </p:cNvSpPr>
-          <p:nvPr>
-            <p:ph type="title"/>
-          </p:nvPr>
-        </p:nvSpPr>
-        <p:spPr>
-          <a:xfrm>
-            <a:off x="490250" y="450150"/>
-            <a:ext cx="6367800" cy="4090800"/>
-          </a:xfrm>
-          <a:prstGeom prst="rect">
-            <a:avLst/>
-          </a:prstGeom>
-        </p:spPr>
-        <p:txBody>
-          <a:bodyPr lIns="91425" tIns="91425" rIns="91425" bIns="91425" anchor="ctr" anchorCtr="0"/>
-          <a:lstStyle>
-            <a:lvl1pPr lvl="0" rtl="0">
-              <a:spcBef>
-                <a:spcPts val="0"/>
-              </a:spcBef>
-              <a:buSzPct val="100000"/>
-              <a:defRPr sz="4800"/>
-            </a:lvl1pPr>
-            <a:lvl2pPr lvl="1" rtl="0">
-              <a:spcBef>
-                <a:spcPts val="0"/>
-              </a:spcBef>
-              <a:buSzPct val="100000"/>
-              <a:defRPr sz="4800"/>
-            </a:lvl2pPr>
-            <a:lvl3pPr lvl="2" rtl="0">
-              <a:spcBef>
-                <a:spcPts val="0"/>
-              </a:spcBef>
-              <a:buSzPct val="100000"/>
-              <a:defRPr sz="4800"/>
-            </a:lvl3pPr>
-            <a:lvl4pPr lvl="3" rtl="0">
-              <a:spcBef>
-                <a:spcPts val="0"/>
-              </a:spcBef>
-              <a:buSzPct val="100000"/>
-              <a:defRPr sz="4800"/>
-            </a:lvl4pPr>
-            <a:lvl5pPr lvl="4" rtl="0">
-              <a:spcBef>
-                <a:spcPts val="0"/>
-              </a:spcBef>
-              <a:buSzPct val="100000"/>
-              <a:defRPr sz="4800"/>
-            </a:lvl5pPr>
-            <a:lvl6pPr lvl="5" rtl="0">
-              <a:spcBef>
-                <a:spcPts val="0"/>
-              </a:spcBef>
-              <a:buSzPct val="100000"/>
-              <a:defRPr sz="4800"/>
-            </a:lvl6pPr>
-            <a:lvl7pPr lvl="6" rtl="0">
-              <a:spcBef>
-                <a:spcPts val="0"/>
-              </a:spcBef>
-              <a:buSzPct val="100000"/>
-              <a:defRPr sz="4800"/>
-            </a:lvl7pPr>
-            <a:lvl8pPr lvl="7" rtl="0">
-              <a:spcBef>
-                <a:spcPts val="0"/>
-              </a:spcBef>
-              <a:buSzPct val="100000"/>
-              <a:defRPr sz="4800"/>
-            </a:lvl8pPr>
-            <a:lvl9pPr lvl="8" rtl="0">
-              <a:spcBef>
-                <a:spcPts val="0"/>
-              </a:spcBef>
-              <a:buSzPct val="100000"/>
-              <a:defRPr sz="4800"/>
-            </a:lvl9pPr>
-          </a:lstStyle>
-          <a:p>
-            <a:endParaRPr/>
-          </a:p>
-        </p:txBody>
-      </p:sp>
-      <p:sp>
-        <p:nvSpPr>
-          <p:cNvPr id="215" name="Shape 215"/>
-          <p:cNvSpPr txBox="1">
-            <a:spLocks noGrp="1"/>
-          </p:cNvSpPr>
-          <p:nvPr>
-            <p:ph type="sldNum" idx="12"/>
-          </p:nvPr>
-        </p:nvSpPr>
-        <p:spPr>
-          <a:xfrm>
-            <a:off x="8472457" y="4663216"/>
-            <a:ext cx="548700" cy="393600"/>
-          </a:xfrm>
-          <a:prstGeom prst="rect">
-            <a:avLst/>
-          </a:prstGeom>
-        </p:spPr>
-        <p:txBody>
-          <a:bodyPr lIns="91425" tIns="91425" rIns="91425" bIns="91425" anchor="ctr" anchorCtr="0">
-            <a:noAutofit/>
-          </a:bodyPr>
-          <a:lstStyle/>
-          <a:p>
-            <a:pPr lvl="0" rtl="0">
-              <a:spcBef>
-                <a:spcPts val="0"/>
-              </a:spcBef>
-              <a:buNone/>
-            </a:pPr>
-            <a:fld id="{00000000-1234-1234-1234-123412341234}" type="slidenum">
-              <a:rPr lang="en"/>
-              <a:t>‹#›</a:t>
-            </a:fld>
-            <a:endParaRPr lang="en"/>
-          </a:p>
-        </p:txBody>
-      </p:sp>
-    </p:spTree>
-  </p:cSld>
-  <p:clrMapOvr>
-    <a:masterClrMapping/>
-  </p:clrMapOvr>
-</p:sldLayout>
-</file>
-
-<file path=ppt/slideLayouts/slideLayout55.xml><?xml version="1.0" encoding="utf-8"?>
-<p:sldLayout xmlns:a="http://schemas.openxmlformats.org/drawingml/2006/main" xmlns:r="http://schemas.openxmlformats.org/officeDocument/2006/relationships" xmlns:p="http://schemas.openxmlformats.org/presentationml/2006/main">
-  <p:cSld name="Section title and description">
-    <p:spTree>
-      <p:nvGrpSpPr>
-        <p:cNvPr id="1" name="Shape 216"/>
-        <p:cNvGrpSpPr/>
-        <p:nvPr/>
-      </p:nvGrpSpPr>
-      <p:grpSpPr>
-        <a:xfrm>
-          <a:off x="0" y="0"/>
-          <a:ext cx="0" cy="0"/>
-          <a:chOff x="0" y="0"/>
-          <a:chExt cx="0" cy="0"/>
-        </a:xfrm>
-      </p:grpSpPr>
-      <p:sp>
-        <p:nvSpPr>
-          <p:cNvPr id="217" name="Shape 217"/>
-          <p:cNvSpPr/>
-          <p:nvPr/>
-        </p:nvSpPr>
-        <p:spPr>
-          <a:xfrm>
-            <a:off x="4572000" y="-125"/>
-            <a:ext cx="4572000" cy="5143500"/>
-          </a:xfrm>
-          <a:prstGeom prst="rect">
-            <a:avLst/>
-          </a:prstGeom>
-          <a:solidFill>
-            <a:schemeClr val="lt2"/>
-          </a:solidFill>
-          <a:ln>
-            <a:noFill/>
-          </a:ln>
-        </p:spPr>
-        <p:txBody>
-          <a:bodyPr lIns="91425" tIns="91425" rIns="91425" bIns="91425" anchor="ctr" anchorCtr="0">
-            <a:noAutofit/>
-          </a:bodyPr>
-          <a:lstStyle/>
-          <a:p>
-            <a:pPr lvl="0">
-              <a:spcBef>
-                <a:spcPts val="0"/>
-              </a:spcBef>
-              <a:buNone/>
-            </a:pPr>
-            <a:endParaRPr/>
-          </a:p>
-        </p:txBody>
-      </p:sp>
-      <p:sp>
-        <p:nvSpPr>
-          <p:cNvPr id="218" name="Shape 218"/>
-          <p:cNvSpPr txBox="1">
-            <a:spLocks noGrp="1"/>
-          </p:cNvSpPr>
-          <p:nvPr>
-            <p:ph type="title"/>
-          </p:nvPr>
-        </p:nvSpPr>
-        <p:spPr>
-          <a:xfrm>
-            <a:off x="265500" y="1233175"/>
-            <a:ext cx="4045200" cy="1482300"/>
-          </a:xfrm>
-          <a:prstGeom prst="rect">
-            <a:avLst/>
-          </a:prstGeom>
-        </p:spPr>
-        <p:txBody>
-          <a:bodyPr lIns="91425" tIns="91425" rIns="91425" bIns="91425" anchor="b" anchorCtr="0"/>
-          <a:lstStyle>
-            <a:lvl1pPr lvl="0" algn="ctr" rtl="0">
-              <a:spcBef>
-                <a:spcPts val="0"/>
-              </a:spcBef>
-              <a:buSzPct val="100000"/>
-              <a:defRPr sz="4200"/>
-            </a:lvl1pPr>
-            <a:lvl2pPr lvl="1" algn="ctr" rtl="0">
-              <a:spcBef>
-                <a:spcPts val="0"/>
-              </a:spcBef>
-              <a:buSzPct val="100000"/>
-              <a:defRPr sz="4200"/>
-            </a:lvl2pPr>
-            <a:lvl3pPr lvl="2" algn="ctr" rtl="0">
-              <a:spcBef>
-                <a:spcPts val="0"/>
-              </a:spcBef>
-              <a:buSzPct val="100000"/>
-              <a:defRPr sz="4200"/>
-            </a:lvl3pPr>
-            <a:lvl4pPr lvl="3" algn="ctr" rtl="0">
-              <a:spcBef>
-                <a:spcPts val="0"/>
-              </a:spcBef>
-              <a:buSzPct val="100000"/>
-              <a:defRPr sz="4200"/>
-            </a:lvl4pPr>
-            <a:lvl5pPr lvl="4" algn="ctr" rtl="0">
-              <a:spcBef>
-                <a:spcPts val="0"/>
-              </a:spcBef>
-              <a:buSzPct val="100000"/>
-              <a:defRPr sz="4200"/>
-            </a:lvl5pPr>
-            <a:lvl6pPr lvl="5" algn="ctr" rtl="0">
-              <a:spcBef>
-                <a:spcPts val="0"/>
-              </a:spcBef>
-              <a:buSzPct val="100000"/>
-              <a:defRPr sz="4200"/>
-            </a:lvl6pPr>
-            <a:lvl7pPr lvl="6" algn="ctr" rtl="0">
-              <a:spcBef>
-                <a:spcPts val="0"/>
-              </a:spcBef>
-              <a:buSzPct val="100000"/>
-              <a:defRPr sz="4200"/>
-            </a:lvl7pPr>
-            <a:lvl8pPr lvl="7" algn="ctr" rtl="0">
-              <a:spcBef>
-                <a:spcPts val="0"/>
-              </a:spcBef>
-              <a:buSzPct val="100000"/>
-              <a:defRPr sz="4200"/>
-            </a:lvl8pPr>
-            <a:lvl9pPr lvl="8" algn="ctr" rtl="0">
-              <a:spcBef>
-                <a:spcPts val="0"/>
-              </a:spcBef>
-              <a:buSzPct val="100000"/>
-              <a:defRPr sz="4200"/>
-            </a:lvl9pPr>
-          </a:lstStyle>
-          <a:p>
-            <a:endParaRPr/>
-          </a:p>
-        </p:txBody>
-      </p:sp>
-      <p:sp>
-        <p:nvSpPr>
-          <p:cNvPr id="219" name="Shape 219"/>
-          <p:cNvSpPr txBox="1">
-            <a:spLocks noGrp="1"/>
-          </p:cNvSpPr>
-          <p:nvPr>
-            <p:ph type="subTitle" idx="1"/>
-          </p:nvPr>
-        </p:nvSpPr>
-        <p:spPr>
-          <a:xfrm>
-            <a:off x="265500" y="2803075"/>
-            <a:ext cx="4045200" cy="1235100"/>
-          </a:xfrm>
-          <a:prstGeom prst="rect">
-            <a:avLst/>
-          </a:prstGeom>
-        </p:spPr>
-        <p:txBody>
-          <a:bodyPr lIns="91425" tIns="91425" rIns="91425" bIns="91425" anchor="t" anchorCtr="0"/>
-          <a:lstStyle>
-            <a:lvl1pPr lvl="0" algn="ctr" rtl="0">
-              <a:lnSpc>
-                <a:spcPct val="100000"/>
-              </a:lnSpc>
-              <a:spcBef>
-                <a:spcPts val="0"/>
-              </a:spcBef>
-              <a:spcAft>
-                <a:spcPts val="0"/>
-              </a:spcAft>
-              <a:buSzPct val="100000"/>
-              <a:buNone/>
-              <a:defRPr sz="2100"/>
-            </a:lvl1pPr>
-            <a:lvl2pPr lvl="1" algn="ctr" rtl="0">
-              <a:lnSpc>
-                <a:spcPct val="100000"/>
-              </a:lnSpc>
-              <a:spcBef>
-                <a:spcPts val="0"/>
-              </a:spcBef>
-              <a:spcAft>
-                <a:spcPts val="0"/>
-              </a:spcAft>
-              <a:buSzPct val="100000"/>
-              <a:buNone/>
-              <a:defRPr sz="2100"/>
-            </a:lvl2pPr>
-            <a:lvl3pPr lvl="2" algn="ctr" rtl="0">
-              <a:lnSpc>
-                <a:spcPct val="100000"/>
-              </a:lnSpc>
-              <a:spcBef>
-                <a:spcPts val="0"/>
-              </a:spcBef>
-              <a:spcAft>
-                <a:spcPts val="0"/>
-              </a:spcAft>
-              <a:buSzPct val="100000"/>
-              <a:buNone/>
-              <a:defRPr sz="2100"/>
-            </a:lvl3pPr>
-            <a:lvl4pPr lvl="3" algn="ctr" rtl="0">
-              <a:lnSpc>
-                <a:spcPct val="100000"/>
-              </a:lnSpc>
-              <a:spcBef>
-                <a:spcPts val="0"/>
-              </a:spcBef>
-              <a:spcAft>
-                <a:spcPts val="0"/>
-              </a:spcAft>
-              <a:buSzPct val="100000"/>
-              <a:buNone/>
-              <a:defRPr sz="2100"/>
-            </a:lvl4pPr>
-            <a:lvl5pPr lvl="4" algn="ctr" rtl="0">
-              <a:lnSpc>
-                <a:spcPct val="100000"/>
-              </a:lnSpc>
-              <a:spcBef>
-                <a:spcPts val="0"/>
-              </a:spcBef>
-              <a:spcAft>
-                <a:spcPts val="0"/>
-              </a:spcAft>
-              <a:buSzPct val="100000"/>
-              <a:buNone/>
-              <a:defRPr sz="2100"/>
-            </a:lvl5pPr>
-            <a:lvl6pPr lvl="5" algn="ctr" rtl="0">
-              <a:lnSpc>
-                <a:spcPct val="100000"/>
-              </a:lnSpc>
-              <a:spcBef>
-                <a:spcPts val="0"/>
-              </a:spcBef>
-              <a:spcAft>
-                <a:spcPts val="0"/>
-              </a:spcAft>
-              <a:buSzPct val="100000"/>
-              <a:buNone/>
-              <a:defRPr sz="2100"/>
-            </a:lvl6pPr>
-            <a:lvl7pPr lvl="6" algn="ctr" rtl="0">
-              <a:lnSpc>
-                <a:spcPct val="100000"/>
-              </a:lnSpc>
-              <a:spcBef>
-                <a:spcPts val="0"/>
-              </a:spcBef>
-              <a:spcAft>
-                <a:spcPts val="0"/>
-              </a:spcAft>
-              <a:buSzPct val="100000"/>
-              <a:buNone/>
-              <a:defRPr sz="2100"/>
-            </a:lvl7pPr>
-            <a:lvl8pPr lvl="7" algn="ctr" rtl="0">
-              <a:lnSpc>
-                <a:spcPct val="100000"/>
-              </a:lnSpc>
-              <a:spcBef>
-                <a:spcPts val="0"/>
-              </a:spcBef>
-              <a:spcAft>
-                <a:spcPts val="0"/>
-              </a:spcAft>
-              <a:buSzPct val="100000"/>
-              <a:buNone/>
-              <a:defRPr sz="2100"/>
-            </a:lvl8pPr>
-            <a:lvl9pPr lvl="8" algn="ctr" rtl="0">
-              <a:lnSpc>
-                <a:spcPct val="100000"/>
-              </a:lnSpc>
-              <a:spcBef>
-                <a:spcPts val="0"/>
-              </a:spcBef>
-              <a:spcAft>
-                <a:spcPts val="0"/>
-              </a:spcAft>
-              <a:buSzPct val="100000"/>
-              <a:buNone/>
-              <a:defRPr sz="2100"/>
-            </a:lvl9pPr>
-          </a:lstStyle>
-          <a:p>
-            <a:endParaRPr/>
-          </a:p>
-        </p:txBody>
-      </p:sp>
-      <p:sp>
-        <p:nvSpPr>
-          <p:cNvPr id="220" name="Shape 220"/>
-          <p:cNvSpPr txBox="1">
-            <a:spLocks noGrp="1"/>
-          </p:cNvSpPr>
-          <p:nvPr>
-            <p:ph type="body" idx="2"/>
-          </p:nvPr>
-        </p:nvSpPr>
-        <p:spPr>
-          <a:xfrm>
-            <a:off x="4939500" y="724075"/>
-            <a:ext cx="3837000" cy="3695100"/>
-          </a:xfrm>
-          <a:prstGeom prst="rect">
-            <a:avLst/>
-          </a:prstGeom>
-        </p:spPr>
-        <p:txBody>
-          <a:bodyPr lIns="91425" tIns="91425" rIns="91425" bIns="91425" anchor="ctr" anchorCtr="0"/>
-          <a:lstStyle>
-            <a:lvl1pPr lvl="0" rtl="0">
-              <a:spcBef>
-                <a:spcPts val="0"/>
-              </a:spcBef>
-              <a:defRPr/>
-            </a:lvl1pPr>
-            <a:lvl2pPr lvl="1" rtl="0">
-              <a:spcBef>
-                <a:spcPts val="0"/>
-              </a:spcBef>
-              <a:defRPr/>
-            </a:lvl2pPr>
-            <a:lvl3pPr lvl="2" rtl="0">
-              <a:spcBef>
-                <a:spcPts val="0"/>
-              </a:spcBef>
-              <a:defRPr/>
-            </a:lvl3pPr>
-            <a:lvl4pPr lvl="3" rtl="0">
-              <a:spcBef>
-                <a:spcPts val="0"/>
-              </a:spcBef>
-              <a:defRPr/>
-            </a:lvl4pPr>
-            <a:lvl5pPr lvl="4" rtl="0">
-              <a:spcBef>
-                <a:spcPts val="0"/>
-              </a:spcBef>
-              <a:defRPr/>
-            </a:lvl5pPr>
-            <a:lvl6pPr lvl="5" rtl="0">
-              <a:spcBef>
-                <a:spcPts val="0"/>
-              </a:spcBef>
-              <a:defRPr/>
-            </a:lvl6pPr>
-            <a:lvl7pPr lvl="6" rtl="0">
-              <a:spcBef>
-                <a:spcPts val="0"/>
-              </a:spcBef>
-              <a:defRPr/>
-            </a:lvl7pPr>
-            <a:lvl8pPr lvl="7" rtl="0">
-              <a:spcBef>
-                <a:spcPts val="0"/>
-              </a:spcBef>
-              <a:defRPr/>
-            </a:lvl8pPr>
-            <a:lvl9pPr lvl="8" rtl="0">
-              <a:spcBef>
-                <a:spcPts val="0"/>
-              </a:spcBef>
-              <a:defRPr/>
-            </a:lvl9pPr>
-          </a:lstStyle>
-          <a:p>
-            <a:endParaRPr/>
-          </a:p>
-        </p:txBody>
-      </p:sp>
-      <p:sp>
-        <p:nvSpPr>
-          <p:cNvPr id="221" name="Shape 221"/>
-          <p:cNvSpPr txBox="1">
-            <a:spLocks noGrp="1"/>
-          </p:cNvSpPr>
-          <p:nvPr>
-            <p:ph type="sldNum" idx="12"/>
-          </p:nvPr>
-        </p:nvSpPr>
-        <p:spPr>
-          <a:xfrm>
-            <a:off x="8472457" y="4663216"/>
-            <a:ext cx="548700" cy="393600"/>
-          </a:xfrm>
-          <a:prstGeom prst="rect">
-            <a:avLst/>
-          </a:prstGeom>
-        </p:spPr>
-        <p:txBody>
-          <a:bodyPr lIns="91425" tIns="91425" rIns="91425" bIns="91425" anchor="ctr" anchorCtr="0">
-            <a:noAutofit/>
-          </a:bodyPr>
-          <a:lstStyle/>
-          <a:p>
-            <a:pPr lvl="0" rtl="0">
-              <a:spcBef>
-                <a:spcPts val="0"/>
-              </a:spcBef>
-              <a:buNone/>
-            </a:pPr>
-            <a:fld id="{00000000-1234-1234-1234-123412341234}" type="slidenum">
-              <a:rPr lang="en"/>
-              <a:t>‹#›</a:t>
-            </a:fld>
-            <a:endParaRPr lang="en"/>
-          </a:p>
-        </p:txBody>
-      </p:sp>
-    </p:spTree>
-  </p:cSld>
-  <p:clrMapOvr>
-    <a:masterClrMapping/>
-  </p:clrMapOvr>
-</p:sldLayout>
-</file>
-
-<file path=ppt/slideLayouts/slideLayout56.xml><?xml version="1.0" encoding="utf-8"?>
-<p:sldLayout xmlns:a="http://schemas.openxmlformats.org/drawingml/2006/main" xmlns:r="http://schemas.openxmlformats.org/officeDocument/2006/relationships" xmlns:p="http://schemas.openxmlformats.org/presentationml/2006/main">
-  <p:cSld name="Caption">
-    <p:spTree>
-      <p:nvGrpSpPr>
-        <p:cNvPr id="1" name="Shape 222"/>
-        <p:cNvGrpSpPr/>
-        <p:nvPr/>
-      </p:nvGrpSpPr>
-      <p:grpSpPr>
-        <a:xfrm>
-          <a:off x="0" y="0"/>
-          <a:ext cx="0" cy="0"/>
-          <a:chOff x="0" y="0"/>
-          <a:chExt cx="0" cy="0"/>
-        </a:xfrm>
-      </p:grpSpPr>
-      <p:sp>
-        <p:nvSpPr>
-          <p:cNvPr id="223" name="Shape 223"/>
-          <p:cNvSpPr txBox="1">
-            <a:spLocks noGrp="1"/>
-          </p:cNvSpPr>
-          <p:nvPr>
-            <p:ph type="body" idx="1"/>
-          </p:nvPr>
-        </p:nvSpPr>
-        <p:spPr>
-          <a:xfrm>
-            <a:off x="311700" y="4230575"/>
-            <a:ext cx="5998800" cy="605100"/>
-          </a:xfrm>
-          <a:prstGeom prst="rect">
-            <a:avLst/>
-          </a:prstGeom>
-        </p:spPr>
-        <p:txBody>
-          <a:bodyPr lIns="91425" tIns="91425" rIns="91425" bIns="91425" anchor="ctr" anchorCtr="0"/>
-          <a:lstStyle>
-            <a:lvl1pPr lvl="0" rtl="0">
-              <a:lnSpc>
-                <a:spcPct val="100000"/>
-              </a:lnSpc>
-              <a:spcBef>
-                <a:spcPts val="0"/>
-              </a:spcBef>
-              <a:spcAft>
-                <a:spcPts val="0"/>
-              </a:spcAft>
-              <a:buNone/>
-              <a:defRPr/>
-            </a:lvl1pPr>
-          </a:lstStyle>
-          <a:p>
-            <a:endParaRPr/>
-          </a:p>
-        </p:txBody>
-      </p:sp>
-      <p:sp>
-        <p:nvSpPr>
-          <p:cNvPr id="224" name="Shape 224"/>
-          <p:cNvSpPr txBox="1">
-            <a:spLocks noGrp="1"/>
-          </p:cNvSpPr>
-          <p:nvPr>
-            <p:ph type="sldNum" idx="12"/>
-          </p:nvPr>
-        </p:nvSpPr>
-        <p:spPr>
-          <a:xfrm>
-            <a:off x="8472457" y="4663216"/>
-            <a:ext cx="548700" cy="393600"/>
-          </a:xfrm>
-          <a:prstGeom prst="rect">
-            <a:avLst/>
-          </a:prstGeom>
-        </p:spPr>
-        <p:txBody>
-          <a:bodyPr lIns="91425" tIns="91425" rIns="91425" bIns="91425" anchor="ctr" anchorCtr="0">
-            <a:noAutofit/>
-          </a:bodyPr>
-          <a:lstStyle/>
-          <a:p>
-            <a:pPr lvl="0" rtl="0">
-              <a:spcBef>
-                <a:spcPts val="0"/>
-              </a:spcBef>
-              <a:buNone/>
-            </a:pPr>
-            <a:fld id="{00000000-1234-1234-1234-123412341234}" type="slidenum">
-              <a:rPr lang="en"/>
-              <a:t>‹#›</a:t>
-            </a:fld>
-            <a:endParaRPr lang="en"/>
-          </a:p>
-        </p:txBody>
-      </p:sp>
-    </p:spTree>
-  </p:cSld>
-  <p:clrMapOvr>
-    <a:masterClrMapping/>
-  </p:clrMapOvr>
-</p:sldLayout>
-</file>
-
-<file path=ppt/slideLayouts/slideLayout57.xml><?xml version="1.0" encoding="utf-8"?>
-<p:sldLayout xmlns:a="http://schemas.openxmlformats.org/drawingml/2006/main" xmlns:r="http://schemas.openxmlformats.org/officeDocument/2006/relationships" xmlns:p="http://schemas.openxmlformats.org/presentationml/2006/main">
-  <p:cSld name="Big number">
-    <p:spTree>
-      <p:nvGrpSpPr>
-        <p:cNvPr id="1" name="Shape 225"/>
-        <p:cNvGrpSpPr/>
-        <p:nvPr/>
-      </p:nvGrpSpPr>
-      <p:grpSpPr>
-        <a:xfrm>
-          <a:off x="0" y="0"/>
-          <a:ext cx="0" cy="0"/>
-          <a:chOff x="0" y="0"/>
-          <a:chExt cx="0" cy="0"/>
-        </a:xfrm>
-      </p:grpSpPr>
-      <p:sp>
-        <p:nvSpPr>
-          <p:cNvPr id="226" name="Shape 226"/>
-          <p:cNvSpPr txBox="1">
-            <a:spLocks noGrp="1"/>
-          </p:cNvSpPr>
-          <p:nvPr>
-            <p:ph type="title"/>
-          </p:nvPr>
-        </p:nvSpPr>
-        <p:spPr>
-          <a:xfrm>
-            <a:off x="311700" y="1106125"/>
-            <a:ext cx="8520600" cy="1963500"/>
-          </a:xfrm>
-          <a:prstGeom prst="rect">
-            <a:avLst/>
-          </a:prstGeom>
-        </p:spPr>
-        <p:txBody>
-          <a:bodyPr lIns="91425" tIns="91425" rIns="91425" bIns="91425" anchor="b" anchorCtr="0"/>
-          <a:lstStyle>
-            <a:lvl1pPr lvl="0" algn="ctr" rtl="0">
-              <a:spcBef>
-                <a:spcPts val="0"/>
-              </a:spcBef>
-              <a:buSzPct val="100000"/>
-              <a:defRPr sz="12000"/>
-            </a:lvl1pPr>
-            <a:lvl2pPr lvl="1" algn="ctr" rtl="0">
-              <a:spcBef>
-                <a:spcPts val="0"/>
-              </a:spcBef>
-              <a:buSzPct val="100000"/>
-              <a:defRPr sz="12000"/>
-            </a:lvl2pPr>
-            <a:lvl3pPr lvl="2" algn="ctr" rtl="0">
-              <a:spcBef>
-                <a:spcPts val="0"/>
-              </a:spcBef>
-              <a:buSzPct val="100000"/>
-              <a:defRPr sz="12000"/>
-            </a:lvl3pPr>
-            <a:lvl4pPr lvl="3" algn="ctr" rtl="0">
-              <a:spcBef>
-                <a:spcPts val="0"/>
-              </a:spcBef>
-              <a:buSzPct val="100000"/>
-              <a:defRPr sz="12000"/>
-            </a:lvl4pPr>
-            <a:lvl5pPr lvl="4" algn="ctr" rtl="0">
-              <a:spcBef>
-                <a:spcPts val="0"/>
-              </a:spcBef>
-              <a:buSzPct val="100000"/>
-              <a:defRPr sz="12000"/>
-            </a:lvl5pPr>
-            <a:lvl6pPr lvl="5" algn="ctr" rtl="0">
-              <a:spcBef>
-                <a:spcPts val="0"/>
-              </a:spcBef>
-              <a:buSzPct val="100000"/>
-              <a:defRPr sz="12000"/>
-            </a:lvl6pPr>
-            <a:lvl7pPr lvl="6" algn="ctr" rtl="0">
-              <a:spcBef>
-                <a:spcPts val="0"/>
-              </a:spcBef>
-              <a:buSzPct val="100000"/>
-              <a:defRPr sz="12000"/>
-            </a:lvl7pPr>
-            <a:lvl8pPr lvl="7" algn="ctr" rtl="0">
-              <a:spcBef>
-                <a:spcPts val="0"/>
-              </a:spcBef>
-              <a:buSzPct val="100000"/>
-              <a:defRPr sz="12000"/>
-            </a:lvl8pPr>
-            <a:lvl9pPr lvl="8" algn="ctr" rtl="0">
-              <a:spcBef>
-                <a:spcPts val="0"/>
-              </a:spcBef>
-              <a:buSzPct val="100000"/>
-              <a:defRPr sz="12000"/>
-            </a:lvl9pPr>
-          </a:lstStyle>
-          <a:p>
-            <a:endParaRPr/>
-          </a:p>
-        </p:txBody>
-      </p:sp>
-      <p:sp>
-        <p:nvSpPr>
-          <p:cNvPr id="227" name="Shape 227"/>
-          <p:cNvSpPr txBox="1">
-            <a:spLocks noGrp="1"/>
-          </p:cNvSpPr>
-          <p:nvPr>
-            <p:ph type="body" idx="1"/>
-          </p:nvPr>
-        </p:nvSpPr>
-        <p:spPr>
-          <a:xfrm>
-            <a:off x="311700" y="3152225"/>
-            <a:ext cx="8520600" cy="1300800"/>
-          </a:xfrm>
-          <a:prstGeom prst="rect">
-            <a:avLst/>
-          </a:prstGeom>
-        </p:spPr>
-        <p:txBody>
-          <a:bodyPr lIns="91425" tIns="91425" rIns="91425" bIns="91425" anchor="t" anchorCtr="0"/>
-          <a:lstStyle>
-            <a:lvl1pPr lvl="0" algn="ctr" rtl="0">
-              <a:spcBef>
-                <a:spcPts val="0"/>
-              </a:spcBef>
-              <a:defRPr/>
-            </a:lvl1pPr>
-            <a:lvl2pPr lvl="1" algn="ctr" rtl="0">
-              <a:spcBef>
-                <a:spcPts val="0"/>
-              </a:spcBef>
-              <a:defRPr/>
-            </a:lvl2pPr>
-            <a:lvl3pPr lvl="2" algn="ctr" rtl="0">
-              <a:spcBef>
-                <a:spcPts val="0"/>
-              </a:spcBef>
-              <a:defRPr/>
-            </a:lvl3pPr>
-            <a:lvl4pPr lvl="3" algn="ctr" rtl="0">
-              <a:spcBef>
-                <a:spcPts val="0"/>
-              </a:spcBef>
-              <a:defRPr/>
-            </a:lvl4pPr>
-            <a:lvl5pPr lvl="4" algn="ctr" rtl="0">
-              <a:spcBef>
-                <a:spcPts val="0"/>
-              </a:spcBef>
-              <a:defRPr/>
-            </a:lvl5pPr>
-            <a:lvl6pPr lvl="5" algn="ctr" rtl="0">
-              <a:spcBef>
-                <a:spcPts val="0"/>
-              </a:spcBef>
-              <a:defRPr/>
-            </a:lvl6pPr>
-            <a:lvl7pPr lvl="6" algn="ctr" rtl="0">
-              <a:spcBef>
-                <a:spcPts val="0"/>
-              </a:spcBef>
-              <a:defRPr/>
-            </a:lvl7pPr>
-            <a:lvl8pPr lvl="7" algn="ctr" rtl="0">
-              <a:spcBef>
-                <a:spcPts val="0"/>
-              </a:spcBef>
-              <a:defRPr/>
-            </a:lvl8pPr>
-            <a:lvl9pPr lvl="8" algn="ctr" rtl="0">
-              <a:spcBef>
-                <a:spcPts val="0"/>
-              </a:spcBef>
-              <a:defRPr/>
-            </a:lvl9pPr>
-          </a:lstStyle>
-          <a:p>
-            <a:endParaRPr/>
-          </a:p>
-        </p:txBody>
-      </p:sp>
-      <p:sp>
-        <p:nvSpPr>
-          <p:cNvPr id="228" name="Shape 228"/>
-          <p:cNvSpPr txBox="1">
-            <a:spLocks noGrp="1"/>
-          </p:cNvSpPr>
-          <p:nvPr>
-            <p:ph type="sldNum" idx="12"/>
-          </p:nvPr>
-        </p:nvSpPr>
-        <p:spPr>
-          <a:xfrm>
-            <a:off x="8472457" y="4663216"/>
-            <a:ext cx="548700" cy="393600"/>
-          </a:xfrm>
-          <a:prstGeom prst="rect">
-            <a:avLst/>
-          </a:prstGeom>
-        </p:spPr>
-        <p:txBody>
-          <a:bodyPr lIns="91425" tIns="91425" rIns="91425" bIns="91425" anchor="ctr" anchorCtr="0">
-            <a:noAutofit/>
-          </a:bodyPr>
-          <a:lstStyle/>
-          <a:p>
-            <a:pPr lvl="0" rtl="0">
-              <a:spcBef>
-                <a:spcPts val="0"/>
-              </a:spcBef>
-              <a:buNone/>
-            </a:pPr>
-            <a:fld id="{00000000-1234-1234-1234-123412341234}" type="slidenum">
-              <a:rPr lang="en"/>
-              <a:t>‹#›</a:t>
-            </a:fld>
-            <a:endParaRPr lang="en"/>
-          </a:p>
-        </p:txBody>
-      </p:sp>
-    </p:spTree>
-  </p:cSld>
-  <p:clrMapOvr>
-    <a:masterClrMapping/>
-  </p:clrMapOvr>
-</p:sldLayout>
-</file>
-
-<file path=ppt/slideLayouts/slideLayout58.xml><?xml version="1.0" encoding="utf-8"?>
-<p:sldLayout xmlns:a="http://schemas.openxmlformats.org/drawingml/2006/main" xmlns:r="http://schemas.openxmlformats.org/officeDocument/2006/relationships" xmlns:p="http://schemas.openxmlformats.org/presentationml/2006/main" type="blank">
-  <p:cSld name="Blank">
-    <p:spTree>
-      <p:nvGrpSpPr>
-        <p:cNvPr id="1" name="Shape 229"/>
-        <p:cNvGrpSpPr/>
-        <p:nvPr/>
-      </p:nvGrpSpPr>
-      <p:grpSpPr>
-        <a:xfrm>
-          <a:off x="0" y="0"/>
-          <a:ext cx="0" cy="0"/>
-          <a:chOff x="0" y="0"/>
-          <a:chExt cx="0" cy="0"/>
-        </a:xfrm>
-      </p:grpSpPr>
-      <p:sp>
-        <p:nvSpPr>
-          <p:cNvPr id="230" name="Shape 230"/>
-          <p:cNvSpPr txBox="1">
-            <a:spLocks noGrp="1"/>
-          </p:cNvSpPr>
-          <p:nvPr>
-            <p:ph type="sldNum" idx="12"/>
-          </p:nvPr>
-        </p:nvSpPr>
-        <p:spPr>
-          <a:xfrm>
-            <a:off x="8472457" y="4663216"/>
-            <a:ext cx="548700" cy="393600"/>
-          </a:xfrm>
-          <a:prstGeom prst="rect">
-            <a:avLst/>
-          </a:prstGeom>
-        </p:spPr>
-        <p:txBody>
-          <a:bodyPr lIns="91425" tIns="91425" rIns="91425" bIns="91425" anchor="ctr" anchorCtr="0">
-            <a:noAutofit/>
-          </a:bodyPr>
-          <a:lstStyle/>
-          <a:p>
-            <a:pPr lvl="0" rtl="0">
-              <a:spcBef>
-                <a:spcPts val="0"/>
-              </a:spcBef>
-              <a:buNone/>
-            </a:pPr>
-            <a:fld id="{00000000-1234-1234-1234-123412341234}" type="slidenum">
-              <a:rPr lang="en"/>
-              <a:t>‹#›</a:t>
-            </a:fld>
-            <a:endParaRPr lang="en"/>
-          </a:p>
-        </p:txBody>
-      </p:sp>
-    </p:spTree>
-  </p:cSld>
-  <p:clrMapOvr>
-    <a:masterClrMapping/>
-  </p:clrMapOvr>
-</p:sldLayout>
-</file>
-
-<file path=ppt/slideLayouts/slideLayout59.xml><?xml version="1.0" encoding="utf-8"?>
 <p:sldLayout xmlns:a="http://schemas.openxmlformats.org/drawingml/2006/main" xmlns:r="http://schemas.openxmlformats.org/officeDocument/2006/relationships" xmlns:p="http://schemas.openxmlformats.org/presentationml/2006/main">
   <p:cSld name="Title Slide">
     <p:bg>
@@ -16434,253 +13781,7 @@
 </p:sldLayout>
 </file>
 
-<file path=ppt/slideLayouts/slideLayout6.xml><?xml version="1.0" encoding="utf-8"?>
-<p:sldLayout xmlns:a="http://schemas.openxmlformats.org/drawingml/2006/main" xmlns:r="http://schemas.openxmlformats.org/officeDocument/2006/relationships" xmlns:p="http://schemas.openxmlformats.org/presentationml/2006/main">
-  <p:cSld name="One column text">
-    <p:spTree>
-      <p:nvGrpSpPr>
-        <p:cNvPr id="1" name="Shape 28"/>
-        <p:cNvGrpSpPr/>
-        <p:nvPr/>
-      </p:nvGrpSpPr>
-      <p:grpSpPr>
-        <a:xfrm>
-          <a:off x="0" y="0"/>
-          <a:ext cx="0" cy="0"/>
-          <a:chOff x="0" y="0"/>
-          <a:chExt cx="0" cy="0"/>
-        </a:xfrm>
-      </p:grpSpPr>
-      <p:sp>
-        <p:nvSpPr>
-          <p:cNvPr id="29" name="Shape 29"/>
-          <p:cNvSpPr txBox="1">
-            <a:spLocks noGrp="1"/>
-          </p:cNvSpPr>
-          <p:nvPr>
-            <p:ph type="title"/>
-          </p:nvPr>
-        </p:nvSpPr>
-        <p:spPr>
-          <a:xfrm>
-            <a:off x="311700" y="555600"/>
-            <a:ext cx="2807999" cy="755699"/>
-          </a:xfrm>
-          <a:prstGeom prst="rect">
-            <a:avLst/>
-          </a:prstGeom>
-        </p:spPr>
-        <p:txBody>
-          <a:bodyPr lIns="91425" tIns="91425" rIns="91425" bIns="91425" anchor="b" anchorCtr="0"/>
-          <a:lstStyle>
-            <a:lvl1pPr lvl="0">
-              <a:spcBef>
-                <a:spcPts val="0"/>
-              </a:spcBef>
-              <a:buSzPct val="100000"/>
-              <a:defRPr sz="2400"/>
-            </a:lvl1pPr>
-            <a:lvl2pPr lvl="1">
-              <a:spcBef>
-                <a:spcPts val="0"/>
-              </a:spcBef>
-              <a:buSzPct val="100000"/>
-              <a:defRPr sz="2400"/>
-            </a:lvl2pPr>
-            <a:lvl3pPr lvl="2">
-              <a:spcBef>
-                <a:spcPts val="0"/>
-              </a:spcBef>
-              <a:buSzPct val="100000"/>
-              <a:defRPr sz="2400"/>
-            </a:lvl3pPr>
-            <a:lvl4pPr lvl="3">
-              <a:spcBef>
-                <a:spcPts val="0"/>
-              </a:spcBef>
-              <a:buSzPct val="100000"/>
-              <a:defRPr sz="2400"/>
-            </a:lvl4pPr>
-            <a:lvl5pPr lvl="4">
-              <a:spcBef>
-                <a:spcPts val="0"/>
-              </a:spcBef>
-              <a:buSzPct val="100000"/>
-              <a:defRPr sz="2400"/>
-            </a:lvl5pPr>
-            <a:lvl6pPr lvl="5">
-              <a:spcBef>
-                <a:spcPts val="0"/>
-              </a:spcBef>
-              <a:buSzPct val="100000"/>
-              <a:defRPr sz="2400"/>
-            </a:lvl6pPr>
-            <a:lvl7pPr lvl="6">
-              <a:spcBef>
-                <a:spcPts val="0"/>
-              </a:spcBef>
-              <a:buSzPct val="100000"/>
-              <a:defRPr sz="2400"/>
-            </a:lvl7pPr>
-            <a:lvl8pPr lvl="7">
-              <a:spcBef>
-                <a:spcPts val="0"/>
-              </a:spcBef>
-              <a:buSzPct val="100000"/>
-              <a:defRPr sz="2400"/>
-            </a:lvl8pPr>
-            <a:lvl9pPr lvl="8">
-              <a:spcBef>
-                <a:spcPts val="0"/>
-              </a:spcBef>
-              <a:buSzPct val="100000"/>
-              <a:defRPr sz="2400"/>
-            </a:lvl9pPr>
-          </a:lstStyle>
-          <a:p>
-            <a:endParaRPr/>
-          </a:p>
-        </p:txBody>
-      </p:sp>
-      <p:sp>
-        <p:nvSpPr>
-          <p:cNvPr id="30" name="Shape 30"/>
-          <p:cNvSpPr txBox="1">
-            <a:spLocks noGrp="1"/>
-          </p:cNvSpPr>
-          <p:nvPr>
-            <p:ph type="body" idx="1"/>
-          </p:nvPr>
-        </p:nvSpPr>
-        <p:spPr>
-          <a:xfrm>
-            <a:off x="311700" y="1389600"/>
-            <a:ext cx="2807999" cy="3179400"/>
-          </a:xfrm>
-          <a:prstGeom prst="rect">
-            <a:avLst/>
-          </a:prstGeom>
-        </p:spPr>
-        <p:txBody>
-          <a:bodyPr lIns="91425" tIns="91425" rIns="91425" bIns="91425" anchor="t" anchorCtr="0"/>
-          <a:lstStyle>
-            <a:lvl1pPr lvl="0">
-              <a:spcBef>
-                <a:spcPts val="0"/>
-              </a:spcBef>
-              <a:buSzPct val="100000"/>
-              <a:defRPr sz="1200"/>
-            </a:lvl1pPr>
-            <a:lvl2pPr lvl="1">
-              <a:spcBef>
-                <a:spcPts val="0"/>
-              </a:spcBef>
-              <a:buSzPct val="100000"/>
-              <a:defRPr sz="1200"/>
-            </a:lvl2pPr>
-            <a:lvl3pPr lvl="2">
-              <a:spcBef>
-                <a:spcPts val="0"/>
-              </a:spcBef>
-              <a:buSzPct val="100000"/>
-              <a:defRPr sz="1200"/>
-            </a:lvl3pPr>
-            <a:lvl4pPr lvl="3">
-              <a:spcBef>
-                <a:spcPts val="0"/>
-              </a:spcBef>
-              <a:buSzPct val="100000"/>
-              <a:defRPr sz="1200"/>
-            </a:lvl4pPr>
-            <a:lvl5pPr lvl="4">
-              <a:spcBef>
-                <a:spcPts val="0"/>
-              </a:spcBef>
-              <a:buSzPct val="100000"/>
-              <a:defRPr sz="1200"/>
-            </a:lvl5pPr>
-            <a:lvl6pPr lvl="5">
-              <a:spcBef>
-                <a:spcPts val="0"/>
-              </a:spcBef>
-              <a:buSzPct val="100000"/>
-              <a:defRPr sz="1200"/>
-            </a:lvl6pPr>
-            <a:lvl7pPr lvl="6">
-              <a:spcBef>
-                <a:spcPts val="0"/>
-              </a:spcBef>
-              <a:buSzPct val="100000"/>
-              <a:defRPr sz="1200"/>
-            </a:lvl7pPr>
-            <a:lvl8pPr lvl="7">
-              <a:spcBef>
-                <a:spcPts val="0"/>
-              </a:spcBef>
-              <a:buSzPct val="100000"/>
-              <a:defRPr sz="1200"/>
-            </a:lvl8pPr>
-            <a:lvl9pPr lvl="8">
-              <a:spcBef>
-                <a:spcPts val="0"/>
-              </a:spcBef>
-              <a:buSzPct val="100000"/>
-              <a:defRPr sz="1200"/>
-            </a:lvl9pPr>
-          </a:lstStyle>
-          <a:p>
-            <a:endParaRPr/>
-          </a:p>
-        </p:txBody>
-      </p:sp>
-      <p:sp>
-        <p:nvSpPr>
-          <p:cNvPr id="31" name="Shape 31"/>
-          <p:cNvSpPr txBox="1">
-            <a:spLocks noGrp="1"/>
-          </p:cNvSpPr>
-          <p:nvPr>
-            <p:ph type="sldNum" idx="12"/>
-          </p:nvPr>
-        </p:nvSpPr>
-        <p:spPr>
-          <a:xfrm>
-            <a:off x="8472457" y="4663216"/>
-            <a:ext cx="548699" cy="393600"/>
-          </a:xfrm>
-          <a:prstGeom prst="rect">
-            <a:avLst/>
-          </a:prstGeom>
-        </p:spPr>
-        <p:txBody>
-          <a:bodyPr lIns="91425" tIns="91425" rIns="91425" bIns="91425" anchor="ctr" anchorCtr="0">
-            <a:noAutofit/>
-          </a:bodyPr>
-          <a:lstStyle/>
-          <a:p>
-            <a:pPr lvl="0">
-              <a:spcBef>
-                <a:spcPts val="0"/>
-              </a:spcBef>
-              <a:buNone/>
-            </a:pPr>
-            <a:fld id="{00000000-1234-1234-1234-123412341234}" type="slidenum">
-              <a:rPr lang="en"/>
-              <a:t>‹#›</a:t>
-            </a:fld>
-            <a:endParaRPr lang="en"/>
-          </a:p>
-        </p:txBody>
-      </p:sp>
-    </p:spTree>
-  </p:cSld>
-  <p:clrMapOvr>
-    <a:masterClrMapping/>
-  </p:clrMapOvr>
-</p:sldLayout>
-</file>
-
-<file path=ppt/slideLayouts/slideLayout60.xml><?xml version="1.0" encoding="utf-8"?>
+<file path=ppt/slideLayouts/slideLayout49.xml><?xml version="1.0" encoding="utf-8"?>
 <p:sldLayout xmlns:a="http://schemas.openxmlformats.org/drawingml/2006/main" xmlns:r="http://schemas.openxmlformats.org/officeDocument/2006/relationships" xmlns:p="http://schemas.openxmlformats.org/presentationml/2006/main">
   <p:cSld name="intro Slide">
     <p:spTree>
@@ -17381,7 +14482,153 @@
 </p:sldLayout>
 </file>
 
-<file path=ppt/slideLayouts/slideLayout61.xml><?xml version="1.0" encoding="utf-8"?>
+<file path=ppt/slideLayouts/slideLayout5.xml><?xml version="1.0" encoding="utf-8"?>
+<p:sldLayout xmlns:a="http://schemas.openxmlformats.org/drawingml/2006/main" xmlns:r="http://schemas.openxmlformats.org/officeDocument/2006/relationships" xmlns:p="http://schemas.openxmlformats.org/presentationml/2006/main" type="titleOnly">
+  <p:cSld name="Title only">
+    <p:spTree>
+      <p:nvGrpSpPr>
+        <p:cNvPr id="1" name="Shape 25"/>
+        <p:cNvGrpSpPr/>
+        <p:nvPr/>
+      </p:nvGrpSpPr>
+      <p:grpSpPr>
+        <a:xfrm>
+          <a:off x="0" y="0"/>
+          <a:ext cx="0" cy="0"/>
+          <a:chOff x="0" y="0"/>
+          <a:chExt cx="0" cy="0"/>
+        </a:xfrm>
+      </p:grpSpPr>
+      <p:sp>
+        <p:nvSpPr>
+          <p:cNvPr id="26" name="Shape 26"/>
+          <p:cNvSpPr txBox="1">
+            <a:spLocks noGrp="1"/>
+          </p:cNvSpPr>
+          <p:nvPr>
+            <p:ph type="title"/>
+          </p:nvPr>
+        </p:nvSpPr>
+        <p:spPr>
+          <a:xfrm>
+            <a:off x="311700" y="445025"/>
+            <a:ext cx="8520599" cy="572699"/>
+          </a:xfrm>
+          <a:prstGeom prst="rect">
+            <a:avLst/>
+          </a:prstGeom>
+        </p:spPr>
+        <p:txBody>
+          <a:bodyPr lIns="91425" tIns="91425" rIns="91425" bIns="91425" anchor="t" anchorCtr="0"/>
+          <a:lstStyle>
+            <a:lvl1pPr lvl="0">
+              <a:spcBef>
+                <a:spcPts val="0"/>
+              </a:spcBef>
+              <a:defRPr/>
+            </a:lvl1pPr>
+            <a:lvl2pPr lvl="1">
+              <a:spcBef>
+                <a:spcPts val="0"/>
+              </a:spcBef>
+              <a:defRPr/>
+            </a:lvl2pPr>
+            <a:lvl3pPr lvl="2">
+              <a:spcBef>
+                <a:spcPts val="0"/>
+              </a:spcBef>
+              <a:defRPr/>
+            </a:lvl3pPr>
+            <a:lvl4pPr lvl="3">
+              <a:spcBef>
+                <a:spcPts val="0"/>
+              </a:spcBef>
+              <a:defRPr/>
+            </a:lvl4pPr>
+            <a:lvl5pPr lvl="4">
+              <a:spcBef>
+                <a:spcPts val="0"/>
+              </a:spcBef>
+              <a:defRPr/>
+            </a:lvl5pPr>
+            <a:lvl6pPr lvl="5">
+              <a:spcBef>
+                <a:spcPts val="0"/>
+              </a:spcBef>
+              <a:defRPr/>
+            </a:lvl6pPr>
+            <a:lvl7pPr lvl="6">
+              <a:spcBef>
+                <a:spcPts val="0"/>
+              </a:spcBef>
+              <a:defRPr/>
+            </a:lvl7pPr>
+            <a:lvl8pPr lvl="7">
+              <a:spcBef>
+                <a:spcPts val="0"/>
+              </a:spcBef>
+              <a:defRPr/>
+            </a:lvl8pPr>
+            <a:lvl9pPr lvl="8">
+              <a:spcBef>
+                <a:spcPts val="0"/>
+              </a:spcBef>
+              <a:defRPr/>
+            </a:lvl9pPr>
+          </a:lstStyle>
+          <a:p>
+            <a:endParaRPr/>
+          </a:p>
+        </p:txBody>
+      </p:sp>
+      <p:sp>
+        <p:nvSpPr>
+          <p:cNvPr id="27" name="Shape 27"/>
+          <p:cNvSpPr txBox="1">
+            <a:spLocks noGrp="1"/>
+          </p:cNvSpPr>
+          <p:nvPr>
+            <p:ph type="sldNum" idx="12"/>
+          </p:nvPr>
+        </p:nvSpPr>
+        <p:spPr>
+          <a:xfrm>
+            <a:off x="8472457" y="4663216"/>
+            <a:ext cx="548699" cy="393600"/>
+          </a:xfrm>
+          <a:prstGeom prst="rect">
+            <a:avLst/>
+          </a:prstGeom>
+        </p:spPr>
+        <p:txBody>
+          <a:bodyPr lIns="91425" tIns="91425" rIns="91425" bIns="91425" anchor="ctr" anchorCtr="0">
+            <a:noAutofit/>
+          </a:bodyPr>
+          <a:lstStyle/>
+          <a:p>
+            <a:pPr lvl="0">
+              <a:spcBef>
+                <a:spcPts val="0"/>
+              </a:spcBef>
+              <a:buNone/>
+            </a:pPr>
+            <a:fld id="{00000000-1234-1234-1234-123412341234}" type="slidenum">
+              <a:rPr lang="en"/>
+              <a:t>‹#›</a:t>
+            </a:fld>
+            <a:endParaRPr lang="en"/>
+          </a:p>
+        </p:txBody>
+      </p:sp>
+    </p:spTree>
+  </p:cSld>
+  <p:clrMapOvr>
+    <a:masterClrMapping/>
+  </p:clrMapOvr>
+</p:sldLayout>
+</file>
+
+<file path=ppt/slideLayouts/slideLayout50.xml><?xml version="1.0" encoding="utf-8"?>
 <p:sldLayout xmlns:a="http://schemas.openxmlformats.org/drawingml/2006/main" xmlns:r="http://schemas.openxmlformats.org/officeDocument/2006/relationships" xmlns:p="http://schemas.openxmlformats.org/presentationml/2006/main">
   <p:cSld name="Large text">
     <p:spTree>
@@ -17722,7 +14969,7 @@
 </p:sldLayout>
 </file>
 
-<file path=ppt/slideLayouts/slideLayout62.xml><?xml version="1.0" encoding="utf-8"?>
+<file path=ppt/slideLayouts/slideLayout51.xml><?xml version="1.0" encoding="utf-8"?>
 <p:sldLayout xmlns:a="http://schemas.openxmlformats.org/drawingml/2006/main" xmlns:r="http://schemas.openxmlformats.org/officeDocument/2006/relationships" xmlns:p="http://schemas.openxmlformats.org/presentationml/2006/main">
   <p:cSld name="Bullets">
     <p:spTree>
@@ -18646,7 +15893,7 @@
 </p:sldLayout>
 </file>
 
-<file path=ppt/slideLayouts/slideLayout63.xml><?xml version="1.0" encoding="utf-8"?>
+<file path=ppt/slideLayouts/slideLayout52.xml><?xml version="1.0" encoding="utf-8"?>
 <p:sldLayout xmlns:a="http://schemas.openxmlformats.org/drawingml/2006/main" xmlns:r="http://schemas.openxmlformats.org/officeDocument/2006/relationships" xmlns:p="http://schemas.openxmlformats.org/presentationml/2006/main">
   <p:cSld name="2_Quote w/ Quoter">
     <p:bg>
@@ -19021,7 +16268,7 @@
 </p:sldLayout>
 </file>
 
-<file path=ppt/slideLayouts/slideLayout64.xml><?xml version="1.0" encoding="utf-8"?>
+<file path=ppt/slideLayouts/slideLayout53.xml><?xml version="1.0" encoding="utf-8"?>
 <p:sldLayout xmlns:a="http://schemas.openxmlformats.org/drawingml/2006/main" xmlns:r="http://schemas.openxmlformats.org/officeDocument/2006/relationships" xmlns:p="http://schemas.openxmlformats.org/presentationml/2006/main">
   <p:cSld name="Image/Text Split">
     <p:spTree>
@@ -19789,7 +17036,7 @@
 </p:sldLayout>
 </file>
 
-<file path=ppt/slideLayouts/slideLayout65.xml><?xml version="1.0" encoding="utf-8"?>
+<file path=ppt/slideLayouts/slideLayout54.xml><?xml version="1.0" encoding="utf-8"?>
 <p:sldLayout xmlns:a="http://schemas.openxmlformats.org/drawingml/2006/main" xmlns:r="http://schemas.openxmlformats.org/officeDocument/2006/relationships" xmlns:p="http://schemas.openxmlformats.org/presentationml/2006/main">
   <p:cSld name="Text over image">
     <p:spTree>
@@ -20362,7 +17609,7 @@
 </p:sldLayout>
 </file>
 
-<file path=ppt/slideLayouts/slideLayout66.xml><?xml version="1.0" encoding="utf-8"?>
+<file path=ppt/slideLayouts/slideLayout55.xml><?xml version="1.0" encoding="utf-8"?>
 <p:sldLayout xmlns:a="http://schemas.openxmlformats.org/drawingml/2006/main" xmlns:r="http://schemas.openxmlformats.org/officeDocument/2006/relationships" xmlns:p="http://schemas.openxmlformats.org/presentationml/2006/main">
   <p:cSld name="2 Column Bullets">
     <p:spTree>
@@ -21229,7 +18476,7 @@
 </p:sldLayout>
 </file>
 
-<file path=ppt/slideLayouts/slideLayout67.xml><?xml version="1.0" encoding="utf-8"?>
+<file path=ppt/slideLayouts/slideLayout56.xml><?xml version="1.0" encoding="utf-8"?>
 <p:sldLayout xmlns:a="http://schemas.openxmlformats.org/drawingml/2006/main" xmlns:r="http://schemas.openxmlformats.org/officeDocument/2006/relationships" xmlns:p="http://schemas.openxmlformats.org/presentationml/2006/main">
   <p:cSld name="Large Number">
     <p:spTree>
@@ -21640,7 +18887,7 @@
 </p:sldLayout>
 </file>
 
-<file path=ppt/slideLayouts/slideLayout68.xml><?xml version="1.0" encoding="utf-8"?>
+<file path=ppt/slideLayouts/slideLayout57.xml><?xml version="1.0" encoding="utf-8"?>
 <p:sldLayout xmlns:a="http://schemas.openxmlformats.org/drawingml/2006/main" xmlns:r="http://schemas.openxmlformats.org/officeDocument/2006/relationships" xmlns:p="http://schemas.openxmlformats.org/presentationml/2006/main">
   <p:cSld name="Title Only">
     <p:spTree>
@@ -22107,7 +19354,7 @@
 </p:sldLayout>
 </file>
 
-<file path=ppt/slideLayouts/slideLayout69.xml><?xml version="1.0" encoding="utf-8"?>
+<file path=ppt/slideLayouts/slideLayout58.xml><?xml version="1.0" encoding="utf-8"?>
 <p:sldLayout xmlns:a="http://schemas.openxmlformats.org/drawingml/2006/main" xmlns:r="http://schemas.openxmlformats.org/officeDocument/2006/relationships" xmlns:p="http://schemas.openxmlformats.org/presentationml/2006/main">
   <p:cSld name="Desktop Screenshot">
     <p:spTree>
@@ -22876,162 +20123,7 @@
 </p:sldLayout>
 </file>
 
-<file path=ppt/slideLayouts/slideLayout7.xml><?xml version="1.0" encoding="utf-8"?>
-<p:sldLayout xmlns:a="http://schemas.openxmlformats.org/drawingml/2006/main" xmlns:r="http://schemas.openxmlformats.org/officeDocument/2006/relationships" xmlns:p="http://schemas.openxmlformats.org/presentationml/2006/main">
-  <p:cSld name="Main point">
-    <p:spTree>
-      <p:nvGrpSpPr>
-        <p:cNvPr id="1" name="Shape 32"/>
-        <p:cNvGrpSpPr/>
-        <p:nvPr/>
-      </p:nvGrpSpPr>
-      <p:grpSpPr>
-        <a:xfrm>
-          <a:off x="0" y="0"/>
-          <a:ext cx="0" cy="0"/>
-          <a:chOff x="0" y="0"/>
-          <a:chExt cx="0" cy="0"/>
-        </a:xfrm>
-      </p:grpSpPr>
-      <p:sp>
-        <p:nvSpPr>
-          <p:cNvPr id="33" name="Shape 33"/>
-          <p:cNvSpPr txBox="1">
-            <a:spLocks noGrp="1"/>
-          </p:cNvSpPr>
-          <p:nvPr>
-            <p:ph type="title"/>
-          </p:nvPr>
-        </p:nvSpPr>
-        <p:spPr>
-          <a:xfrm>
-            <a:off x="490250" y="450150"/>
-            <a:ext cx="6367800" cy="4090800"/>
-          </a:xfrm>
-          <a:prstGeom prst="rect">
-            <a:avLst/>
-          </a:prstGeom>
-        </p:spPr>
-        <p:txBody>
-          <a:bodyPr lIns="91425" tIns="91425" rIns="91425" bIns="91425" anchor="ctr" anchorCtr="0"/>
-          <a:lstStyle>
-            <a:lvl1pPr lvl="0">
-              <a:spcBef>
-                <a:spcPts val="0"/>
-              </a:spcBef>
-              <a:buSzPct val="100000"/>
-              <a:defRPr sz="4800"/>
-            </a:lvl1pPr>
-            <a:lvl2pPr lvl="1">
-              <a:spcBef>
-                <a:spcPts val="0"/>
-              </a:spcBef>
-              <a:buSzPct val="100000"/>
-              <a:defRPr sz="4800"/>
-            </a:lvl2pPr>
-            <a:lvl3pPr lvl="2">
-              <a:spcBef>
-                <a:spcPts val="0"/>
-              </a:spcBef>
-              <a:buSzPct val="100000"/>
-              <a:defRPr sz="4800"/>
-            </a:lvl3pPr>
-            <a:lvl4pPr lvl="3">
-              <a:spcBef>
-                <a:spcPts val="0"/>
-              </a:spcBef>
-              <a:buSzPct val="100000"/>
-              <a:defRPr sz="4800"/>
-            </a:lvl4pPr>
-            <a:lvl5pPr lvl="4">
-              <a:spcBef>
-                <a:spcPts val="0"/>
-              </a:spcBef>
-              <a:buSzPct val="100000"/>
-              <a:defRPr sz="4800"/>
-            </a:lvl5pPr>
-            <a:lvl6pPr lvl="5">
-              <a:spcBef>
-                <a:spcPts val="0"/>
-              </a:spcBef>
-              <a:buSzPct val="100000"/>
-              <a:defRPr sz="4800"/>
-            </a:lvl6pPr>
-            <a:lvl7pPr lvl="6">
-              <a:spcBef>
-                <a:spcPts val="0"/>
-              </a:spcBef>
-              <a:buSzPct val="100000"/>
-              <a:defRPr sz="4800"/>
-            </a:lvl7pPr>
-            <a:lvl8pPr lvl="7">
-              <a:spcBef>
-                <a:spcPts val="0"/>
-              </a:spcBef>
-              <a:buSzPct val="100000"/>
-              <a:defRPr sz="4800"/>
-            </a:lvl8pPr>
-            <a:lvl9pPr lvl="8">
-              <a:spcBef>
-                <a:spcPts val="0"/>
-              </a:spcBef>
-              <a:buSzPct val="100000"/>
-              <a:defRPr sz="4800"/>
-            </a:lvl9pPr>
-          </a:lstStyle>
-          <a:p>
-            <a:endParaRPr/>
-          </a:p>
-        </p:txBody>
-      </p:sp>
-      <p:sp>
-        <p:nvSpPr>
-          <p:cNvPr id="34" name="Shape 34"/>
-          <p:cNvSpPr txBox="1">
-            <a:spLocks noGrp="1"/>
-          </p:cNvSpPr>
-          <p:nvPr>
-            <p:ph type="sldNum" idx="12"/>
-          </p:nvPr>
-        </p:nvSpPr>
-        <p:spPr>
-          <a:xfrm>
-            <a:off x="8472457" y="4663216"/>
-            <a:ext cx="548699" cy="393600"/>
-          </a:xfrm>
-          <a:prstGeom prst="rect">
-            <a:avLst/>
-          </a:prstGeom>
-        </p:spPr>
-        <p:txBody>
-          <a:bodyPr lIns="91425" tIns="91425" rIns="91425" bIns="91425" anchor="ctr" anchorCtr="0">
-            <a:noAutofit/>
-          </a:bodyPr>
-          <a:lstStyle/>
-          <a:p>
-            <a:pPr lvl="0">
-              <a:spcBef>
-                <a:spcPts val="0"/>
-              </a:spcBef>
-              <a:buNone/>
-            </a:pPr>
-            <a:fld id="{00000000-1234-1234-1234-123412341234}" type="slidenum">
-              <a:rPr lang="en"/>
-              <a:t>‹#›</a:t>
-            </a:fld>
-            <a:endParaRPr lang="en"/>
-          </a:p>
-        </p:txBody>
-      </p:sp>
-    </p:spTree>
-  </p:cSld>
-  <p:clrMapOvr>
-    <a:masterClrMapping/>
-  </p:clrMapOvr>
-</p:sldLayout>
-</file>
-
-<file path=ppt/slideLayouts/slideLayout70.xml><?xml version="1.0" encoding="utf-8"?>
+<file path=ppt/slideLayouts/slideLayout59.xml><?xml version="1.0" encoding="utf-8"?>
 <p:sldLayout xmlns:a="http://schemas.openxmlformats.org/drawingml/2006/main" xmlns:r="http://schemas.openxmlformats.org/officeDocument/2006/relationships" xmlns:p="http://schemas.openxmlformats.org/presentationml/2006/main">
   <p:cSld name="Thank You">
     <p:bg>
@@ -23769,7 +20861,253 @@
 </p:sldLayout>
 </file>
 
-<file path=ppt/slideLayouts/slideLayout71.xml><?xml version="1.0" encoding="utf-8"?>
+<file path=ppt/slideLayouts/slideLayout6.xml><?xml version="1.0" encoding="utf-8"?>
+<p:sldLayout xmlns:a="http://schemas.openxmlformats.org/drawingml/2006/main" xmlns:r="http://schemas.openxmlformats.org/officeDocument/2006/relationships" xmlns:p="http://schemas.openxmlformats.org/presentationml/2006/main">
+  <p:cSld name="One column text">
+    <p:spTree>
+      <p:nvGrpSpPr>
+        <p:cNvPr id="1" name="Shape 28"/>
+        <p:cNvGrpSpPr/>
+        <p:nvPr/>
+      </p:nvGrpSpPr>
+      <p:grpSpPr>
+        <a:xfrm>
+          <a:off x="0" y="0"/>
+          <a:ext cx="0" cy="0"/>
+          <a:chOff x="0" y="0"/>
+          <a:chExt cx="0" cy="0"/>
+        </a:xfrm>
+      </p:grpSpPr>
+      <p:sp>
+        <p:nvSpPr>
+          <p:cNvPr id="29" name="Shape 29"/>
+          <p:cNvSpPr txBox="1">
+            <a:spLocks noGrp="1"/>
+          </p:cNvSpPr>
+          <p:nvPr>
+            <p:ph type="title"/>
+          </p:nvPr>
+        </p:nvSpPr>
+        <p:spPr>
+          <a:xfrm>
+            <a:off x="311700" y="555600"/>
+            <a:ext cx="2807999" cy="755699"/>
+          </a:xfrm>
+          <a:prstGeom prst="rect">
+            <a:avLst/>
+          </a:prstGeom>
+        </p:spPr>
+        <p:txBody>
+          <a:bodyPr lIns="91425" tIns="91425" rIns="91425" bIns="91425" anchor="b" anchorCtr="0"/>
+          <a:lstStyle>
+            <a:lvl1pPr lvl="0">
+              <a:spcBef>
+                <a:spcPts val="0"/>
+              </a:spcBef>
+              <a:buSzPct val="100000"/>
+              <a:defRPr sz="2400"/>
+            </a:lvl1pPr>
+            <a:lvl2pPr lvl="1">
+              <a:spcBef>
+                <a:spcPts val="0"/>
+              </a:spcBef>
+              <a:buSzPct val="100000"/>
+              <a:defRPr sz="2400"/>
+            </a:lvl2pPr>
+            <a:lvl3pPr lvl="2">
+              <a:spcBef>
+                <a:spcPts val="0"/>
+              </a:spcBef>
+              <a:buSzPct val="100000"/>
+              <a:defRPr sz="2400"/>
+            </a:lvl3pPr>
+            <a:lvl4pPr lvl="3">
+              <a:spcBef>
+                <a:spcPts val="0"/>
+              </a:spcBef>
+              <a:buSzPct val="100000"/>
+              <a:defRPr sz="2400"/>
+            </a:lvl4pPr>
+            <a:lvl5pPr lvl="4">
+              <a:spcBef>
+                <a:spcPts val="0"/>
+              </a:spcBef>
+              <a:buSzPct val="100000"/>
+              <a:defRPr sz="2400"/>
+            </a:lvl5pPr>
+            <a:lvl6pPr lvl="5">
+              <a:spcBef>
+                <a:spcPts val="0"/>
+              </a:spcBef>
+              <a:buSzPct val="100000"/>
+              <a:defRPr sz="2400"/>
+            </a:lvl6pPr>
+            <a:lvl7pPr lvl="6">
+              <a:spcBef>
+                <a:spcPts val="0"/>
+              </a:spcBef>
+              <a:buSzPct val="100000"/>
+              <a:defRPr sz="2400"/>
+            </a:lvl7pPr>
+            <a:lvl8pPr lvl="7">
+              <a:spcBef>
+                <a:spcPts val="0"/>
+              </a:spcBef>
+              <a:buSzPct val="100000"/>
+              <a:defRPr sz="2400"/>
+            </a:lvl8pPr>
+            <a:lvl9pPr lvl="8">
+              <a:spcBef>
+                <a:spcPts val="0"/>
+              </a:spcBef>
+              <a:buSzPct val="100000"/>
+              <a:defRPr sz="2400"/>
+            </a:lvl9pPr>
+          </a:lstStyle>
+          <a:p>
+            <a:endParaRPr/>
+          </a:p>
+        </p:txBody>
+      </p:sp>
+      <p:sp>
+        <p:nvSpPr>
+          <p:cNvPr id="30" name="Shape 30"/>
+          <p:cNvSpPr txBox="1">
+            <a:spLocks noGrp="1"/>
+          </p:cNvSpPr>
+          <p:nvPr>
+            <p:ph type="body" idx="1"/>
+          </p:nvPr>
+        </p:nvSpPr>
+        <p:spPr>
+          <a:xfrm>
+            <a:off x="311700" y="1389600"/>
+            <a:ext cx="2807999" cy="3179400"/>
+          </a:xfrm>
+          <a:prstGeom prst="rect">
+            <a:avLst/>
+          </a:prstGeom>
+        </p:spPr>
+        <p:txBody>
+          <a:bodyPr lIns="91425" tIns="91425" rIns="91425" bIns="91425" anchor="t" anchorCtr="0"/>
+          <a:lstStyle>
+            <a:lvl1pPr lvl="0">
+              <a:spcBef>
+                <a:spcPts val="0"/>
+              </a:spcBef>
+              <a:buSzPct val="100000"/>
+              <a:defRPr sz="1200"/>
+            </a:lvl1pPr>
+            <a:lvl2pPr lvl="1">
+              <a:spcBef>
+                <a:spcPts val="0"/>
+              </a:spcBef>
+              <a:buSzPct val="100000"/>
+              <a:defRPr sz="1200"/>
+            </a:lvl2pPr>
+            <a:lvl3pPr lvl="2">
+              <a:spcBef>
+                <a:spcPts val="0"/>
+              </a:spcBef>
+              <a:buSzPct val="100000"/>
+              <a:defRPr sz="1200"/>
+            </a:lvl3pPr>
+            <a:lvl4pPr lvl="3">
+              <a:spcBef>
+                <a:spcPts val="0"/>
+              </a:spcBef>
+              <a:buSzPct val="100000"/>
+              <a:defRPr sz="1200"/>
+            </a:lvl4pPr>
+            <a:lvl5pPr lvl="4">
+              <a:spcBef>
+                <a:spcPts val="0"/>
+              </a:spcBef>
+              <a:buSzPct val="100000"/>
+              <a:defRPr sz="1200"/>
+            </a:lvl5pPr>
+            <a:lvl6pPr lvl="5">
+              <a:spcBef>
+                <a:spcPts val="0"/>
+              </a:spcBef>
+              <a:buSzPct val="100000"/>
+              <a:defRPr sz="1200"/>
+            </a:lvl6pPr>
+            <a:lvl7pPr lvl="6">
+              <a:spcBef>
+                <a:spcPts val="0"/>
+              </a:spcBef>
+              <a:buSzPct val="100000"/>
+              <a:defRPr sz="1200"/>
+            </a:lvl7pPr>
+            <a:lvl8pPr lvl="7">
+              <a:spcBef>
+                <a:spcPts val="0"/>
+              </a:spcBef>
+              <a:buSzPct val="100000"/>
+              <a:defRPr sz="1200"/>
+            </a:lvl8pPr>
+            <a:lvl9pPr lvl="8">
+              <a:spcBef>
+                <a:spcPts val="0"/>
+              </a:spcBef>
+              <a:buSzPct val="100000"/>
+              <a:defRPr sz="1200"/>
+            </a:lvl9pPr>
+          </a:lstStyle>
+          <a:p>
+            <a:endParaRPr/>
+          </a:p>
+        </p:txBody>
+      </p:sp>
+      <p:sp>
+        <p:nvSpPr>
+          <p:cNvPr id="31" name="Shape 31"/>
+          <p:cNvSpPr txBox="1">
+            <a:spLocks noGrp="1"/>
+          </p:cNvSpPr>
+          <p:nvPr>
+            <p:ph type="sldNum" idx="12"/>
+          </p:nvPr>
+        </p:nvSpPr>
+        <p:spPr>
+          <a:xfrm>
+            <a:off x="8472457" y="4663216"/>
+            <a:ext cx="548699" cy="393600"/>
+          </a:xfrm>
+          <a:prstGeom prst="rect">
+            <a:avLst/>
+          </a:prstGeom>
+        </p:spPr>
+        <p:txBody>
+          <a:bodyPr lIns="91425" tIns="91425" rIns="91425" bIns="91425" anchor="ctr" anchorCtr="0">
+            <a:noAutofit/>
+          </a:bodyPr>
+          <a:lstStyle/>
+          <a:p>
+            <a:pPr lvl="0">
+              <a:spcBef>
+                <a:spcPts val="0"/>
+              </a:spcBef>
+              <a:buNone/>
+            </a:pPr>
+            <a:fld id="{00000000-1234-1234-1234-123412341234}" type="slidenum">
+              <a:rPr lang="en"/>
+              <a:t>‹#›</a:t>
+            </a:fld>
+            <a:endParaRPr lang="en"/>
+          </a:p>
+        </p:txBody>
+      </p:sp>
+    </p:spTree>
+  </p:cSld>
+  <p:clrMapOvr>
+    <a:masterClrMapping/>
+  </p:clrMapOvr>
+</p:sldLayout>
+</file>
+
+<file path=ppt/slideLayouts/slideLayout60.xml><?xml version="1.0" encoding="utf-8"?>
 <p:sldLayout xmlns:a="http://schemas.openxmlformats.org/drawingml/2006/main" xmlns:r="http://schemas.openxmlformats.org/officeDocument/2006/relationships" xmlns:p="http://schemas.openxmlformats.org/presentationml/2006/main">
   <p:cSld name="1_2 Column Bullets">
     <p:spTree>
@@ -24836,7 +22174,7 @@
 </p:sldLayout>
 </file>
 
-<file path=ppt/slideLayouts/slideLayout72.xml><?xml version="1.0" encoding="utf-8"?>
+<file path=ppt/slideLayouts/slideLayout61.xml><?xml version="1.0" encoding="utf-8"?>
 <p:sldLayout xmlns:a="http://schemas.openxmlformats.org/drawingml/2006/main" xmlns:r="http://schemas.openxmlformats.org/officeDocument/2006/relationships" xmlns:p="http://schemas.openxmlformats.org/presentationml/2006/main">
   <p:cSld name="Map">
     <p:bg>
@@ -24923,7 +22261,7 @@
 </p:sldLayout>
 </file>
 
-<file path=ppt/slideLayouts/slideLayout73.xml><?xml version="1.0" encoding="utf-8"?>
+<file path=ppt/slideLayouts/slideLayout62.xml><?xml version="1.0" encoding="utf-8"?>
 <p:sldLayout xmlns:a="http://schemas.openxmlformats.org/drawingml/2006/main" xmlns:r="http://schemas.openxmlformats.org/officeDocument/2006/relationships" xmlns:p="http://schemas.openxmlformats.org/presentationml/2006/main">
   <p:cSld name="Table Sample">
     <p:spTree>
@@ -27140,7 +24478,7 @@
 </p:sldLayout>
 </file>
 
-<file path=ppt/slideLayouts/slideLayout74.xml><?xml version="1.0" encoding="utf-8"?>
+<file path=ppt/slideLayouts/slideLayout63.xml><?xml version="1.0" encoding="utf-8"?>
 <p:sldLayout xmlns:a="http://schemas.openxmlformats.org/drawingml/2006/main" xmlns:r="http://schemas.openxmlformats.org/officeDocument/2006/relationships" xmlns:p="http://schemas.openxmlformats.org/presentationml/2006/main">
   <p:cSld name="Blank">
     <p:spTree>
@@ -27157,6 +24495,161 @@
           <a:chExt cx="0" cy="0"/>
         </a:xfrm>
       </p:grpSpPr>
+    </p:spTree>
+  </p:cSld>
+  <p:clrMapOvr>
+    <a:masterClrMapping/>
+  </p:clrMapOvr>
+</p:sldLayout>
+</file>
+
+<file path=ppt/slideLayouts/slideLayout7.xml><?xml version="1.0" encoding="utf-8"?>
+<p:sldLayout xmlns:a="http://schemas.openxmlformats.org/drawingml/2006/main" xmlns:r="http://schemas.openxmlformats.org/officeDocument/2006/relationships" xmlns:p="http://schemas.openxmlformats.org/presentationml/2006/main">
+  <p:cSld name="Main point">
+    <p:spTree>
+      <p:nvGrpSpPr>
+        <p:cNvPr id="1" name="Shape 32"/>
+        <p:cNvGrpSpPr/>
+        <p:nvPr/>
+      </p:nvGrpSpPr>
+      <p:grpSpPr>
+        <a:xfrm>
+          <a:off x="0" y="0"/>
+          <a:ext cx="0" cy="0"/>
+          <a:chOff x="0" y="0"/>
+          <a:chExt cx="0" cy="0"/>
+        </a:xfrm>
+      </p:grpSpPr>
+      <p:sp>
+        <p:nvSpPr>
+          <p:cNvPr id="33" name="Shape 33"/>
+          <p:cNvSpPr txBox="1">
+            <a:spLocks noGrp="1"/>
+          </p:cNvSpPr>
+          <p:nvPr>
+            <p:ph type="title"/>
+          </p:nvPr>
+        </p:nvSpPr>
+        <p:spPr>
+          <a:xfrm>
+            <a:off x="490250" y="450150"/>
+            <a:ext cx="6367800" cy="4090800"/>
+          </a:xfrm>
+          <a:prstGeom prst="rect">
+            <a:avLst/>
+          </a:prstGeom>
+        </p:spPr>
+        <p:txBody>
+          <a:bodyPr lIns="91425" tIns="91425" rIns="91425" bIns="91425" anchor="ctr" anchorCtr="0"/>
+          <a:lstStyle>
+            <a:lvl1pPr lvl="0">
+              <a:spcBef>
+                <a:spcPts val="0"/>
+              </a:spcBef>
+              <a:buSzPct val="100000"/>
+              <a:defRPr sz="4800"/>
+            </a:lvl1pPr>
+            <a:lvl2pPr lvl="1">
+              <a:spcBef>
+                <a:spcPts val="0"/>
+              </a:spcBef>
+              <a:buSzPct val="100000"/>
+              <a:defRPr sz="4800"/>
+            </a:lvl2pPr>
+            <a:lvl3pPr lvl="2">
+              <a:spcBef>
+                <a:spcPts val="0"/>
+              </a:spcBef>
+              <a:buSzPct val="100000"/>
+              <a:defRPr sz="4800"/>
+            </a:lvl3pPr>
+            <a:lvl4pPr lvl="3">
+              <a:spcBef>
+                <a:spcPts val="0"/>
+              </a:spcBef>
+              <a:buSzPct val="100000"/>
+              <a:defRPr sz="4800"/>
+            </a:lvl4pPr>
+            <a:lvl5pPr lvl="4">
+              <a:spcBef>
+                <a:spcPts val="0"/>
+              </a:spcBef>
+              <a:buSzPct val="100000"/>
+              <a:defRPr sz="4800"/>
+            </a:lvl5pPr>
+            <a:lvl6pPr lvl="5">
+              <a:spcBef>
+                <a:spcPts val="0"/>
+              </a:spcBef>
+              <a:buSzPct val="100000"/>
+              <a:defRPr sz="4800"/>
+            </a:lvl6pPr>
+            <a:lvl7pPr lvl="6">
+              <a:spcBef>
+                <a:spcPts val="0"/>
+              </a:spcBef>
+              <a:buSzPct val="100000"/>
+              <a:defRPr sz="4800"/>
+            </a:lvl7pPr>
+            <a:lvl8pPr lvl="7">
+              <a:spcBef>
+                <a:spcPts val="0"/>
+              </a:spcBef>
+              <a:buSzPct val="100000"/>
+              <a:defRPr sz="4800"/>
+            </a:lvl8pPr>
+            <a:lvl9pPr lvl="8">
+              <a:spcBef>
+                <a:spcPts val="0"/>
+              </a:spcBef>
+              <a:buSzPct val="100000"/>
+              <a:defRPr sz="4800"/>
+            </a:lvl9pPr>
+          </a:lstStyle>
+          <a:p>
+            <a:endParaRPr/>
+          </a:p>
+        </p:txBody>
+      </p:sp>
+      <p:sp>
+        <p:nvSpPr>
+          <p:cNvPr id="34" name="Shape 34"/>
+          <p:cNvSpPr txBox="1">
+            <a:spLocks noGrp="1"/>
+          </p:cNvSpPr>
+          <p:nvPr>
+            <p:ph type="sldNum" idx="12"/>
+          </p:nvPr>
+        </p:nvSpPr>
+        <p:spPr>
+          <a:xfrm>
+            <a:off x="8472457" y="4663216"/>
+            <a:ext cx="548699" cy="393600"/>
+          </a:xfrm>
+          <a:prstGeom prst="rect">
+            <a:avLst/>
+          </a:prstGeom>
+        </p:spPr>
+        <p:txBody>
+          <a:bodyPr lIns="91425" tIns="91425" rIns="91425" bIns="91425" anchor="ctr" anchorCtr="0">
+            <a:noAutofit/>
+          </a:bodyPr>
+          <a:lstStyle/>
+          <a:p>
+            <a:pPr lvl="0">
+              <a:spcBef>
+                <a:spcPts val="0"/>
+              </a:spcBef>
+              <a:buNone/>
+            </a:pPr>
+            <a:fld id="{00000000-1234-1234-1234-123412341234}" type="slidenum">
+              <a:rPr lang="en"/>
+              <a:t>‹#›</a:t>
+            </a:fld>
+            <a:endParaRPr lang="en"/>
+          </a:p>
+        </p:txBody>
+      </p:sp>
     </p:spTree>
   </p:cSld>
   <p:clrMapOvr>
@@ -30240,913 +27733,6 @@
     </p:bg>
     <p:spTree>
       <p:nvGrpSpPr>
-        <p:cNvPr id="1" name="Shape 186"/>
-        <p:cNvGrpSpPr/>
-        <p:nvPr/>
-      </p:nvGrpSpPr>
-      <p:grpSpPr>
-        <a:xfrm>
-          <a:off x="0" y="0"/>
-          <a:ext cx="0" cy="0"/>
-          <a:chOff x="0" y="0"/>
-          <a:chExt cx="0" cy="0"/>
-        </a:xfrm>
-      </p:grpSpPr>
-      <p:sp>
-        <p:nvSpPr>
-          <p:cNvPr id="187" name="Shape 187"/>
-          <p:cNvSpPr txBox="1">
-            <a:spLocks noGrp="1"/>
-          </p:cNvSpPr>
-          <p:nvPr>
-            <p:ph type="title"/>
-          </p:nvPr>
-        </p:nvSpPr>
-        <p:spPr>
-          <a:xfrm>
-            <a:off x="311700" y="445025"/>
-            <a:ext cx="8520600" cy="572700"/>
-          </a:xfrm>
-          <a:prstGeom prst="rect">
-            <a:avLst/>
-          </a:prstGeom>
-          <a:noFill/>
-          <a:ln>
-            <a:noFill/>
-          </a:ln>
-        </p:spPr>
-        <p:txBody>
-          <a:bodyPr lIns="91425" tIns="91425" rIns="91425" bIns="91425" anchor="t" anchorCtr="0"/>
-          <a:lstStyle>
-            <a:lvl1pPr lvl="0" rtl="0">
-              <a:spcBef>
-                <a:spcPts val="0"/>
-              </a:spcBef>
-              <a:buClr>
-                <a:schemeClr val="dk1"/>
-              </a:buClr>
-              <a:buSzPct val="100000"/>
-              <a:buNone/>
-              <a:defRPr sz="2800">
-                <a:solidFill>
-                  <a:schemeClr val="dk1"/>
-                </a:solidFill>
-              </a:defRPr>
-            </a:lvl1pPr>
-            <a:lvl2pPr lvl="1" rtl="0">
-              <a:spcBef>
-                <a:spcPts val="0"/>
-              </a:spcBef>
-              <a:buClr>
-                <a:schemeClr val="dk1"/>
-              </a:buClr>
-              <a:buSzPct val="100000"/>
-              <a:buNone/>
-              <a:defRPr sz="2800">
-                <a:solidFill>
-                  <a:schemeClr val="dk1"/>
-                </a:solidFill>
-              </a:defRPr>
-            </a:lvl2pPr>
-            <a:lvl3pPr lvl="2" rtl="0">
-              <a:spcBef>
-                <a:spcPts val="0"/>
-              </a:spcBef>
-              <a:buClr>
-                <a:schemeClr val="dk1"/>
-              </a:buClr>
-              <a:buSzPct val="100000"/>
-              <a:buNone/>
-              <a:defRPr sz="2800">
-                <a:solidFill>
-                  <a:schemeClr val="dk1"/>
-                </a:solidFill>
-              </a:defRPr>
-            </a:lvl3pPr>
-            <a:lvl4pPr lvl="3" rtl="0">
-              <a:spcBef>
-                <a:spcPts val="0"/>
-              </a:spcBef>
-              <a:buClr>
-                <a:schemeClr val="dk1"/>
-              </a:buClr>
-              <a:buSzPct val="100000"/>
-              <a:buNone/>
-              <a:defRPr sz="2800">
-                <a:solidFill>
-                  <a:schemeClr val="dk1"/>
-                </a:solidFill>
-              </a:defRPr>
-            </a:lvl4pPr>
-            <a:lvl5pPr lvl="4" rtl="0">
-              <a:spcBef>
-                <a:spcPts val="0"/>
-              </a:spcBef>
-              <a:buClr>
-                <a:schemeClr val="dk1"/>
-              </a:buClr>
-              <a:buSzPct val="100000"/>
-              <a:buNone/>
-              <a:defRPr sz="2800">
-                <a:solidFill>
-                  <a:schemeClr val="dk1"/>
-                </a:solidFill>
-              </a:defRPr>
-            </a:lvl5pPr>
-            <a:lvl6pPr lvl="5" rtl="0">
-              <a:spcBef>
-                <a:spcPts val="0"/>
-              </a:spcBef>
-              <a:buClr>
-                <a:schemeClr val="dk1"/>
-              </a:buClr>
-              <a:buSzPct val="100000"/>
-              <a:buNone/>
-              <a:defRPr sz="2800">
-                <a:solidFill>
-                  <a:schemeClr val="dk1"/>
-                </a:solidFill>
-              </a:defRPr>
-            </a:lvl6pPr>
-            <a:lvl7pPr lvl="6" rtl="0">
-              <a:spcBef>
-                <a:spcPts val="0"/>
-              </a:spcBef>
-              <a:buClr>
-                <a:schemeClr val="dk1"/>
-              </a:buClr>
-              <a:buSzPct val="100000"/>
-              <a:buNone/>
-              <a:defRPr sz="2800">
-                <a:solidFill>
-                  <a:schemeClr val="dk1"/>
-                </a:solidFill>
-              </a:defRPr>
-            </a:lvl7pPr>
-            <a:lvl8pPr lvl="7" rtl="0">
-              <a:spcBef>
-                <a:spcPts val="0"/>
-              </a:spcBef>
-              <a:buClr>
-                <a:schemeClr val="dk1"/>
-              </a:buClr>
-              <a:buSzPct val="100000"/>
-              <a:buNone/>
-              <a:defRPr sz="2800">
-                <a:solidFill>
-                  <a:schemeClr val="dk1"/>
-                </a:solidFill>
-              </a:defRPr>
-            </a:lvl8pPr>
-            <a:lvl9pPr lvl="8" rtl="0">
-              <a:spcBef>
-                <a:spcPts val="0"/>
-              </a:spcBef>
-              <a:buClr>
-                <a:schemeClr val="dk1"/>
-              </a:buClr>
-              <a:buSzPct val="100000"/>
-              <a:buNone/>
-              <a:defRPr sz="2800">
-                <a:solidFill>
-                  <a:schemeClr val="dk1"/>
-                </a:solidFill>
-              </a:defRPr>
-            </a:lvl9pPr>
-          </a:lstStyle>
-          <a:p>
-            <a:endParaRPr/>
-          </a:p>
-        </p:txBody>
-      </p:sp>
-      <p:sp>
-        <p:nvSpPr>
-          <p:cNvPr id="188" name="Shape 188"/>
-          <p:cNvSpPr txBox="1">
-            <a:spLocks noGrp="1"/>
-          </p:cNvSpPr>
-          <p:nvPr>
-            <p:ph type="body" idx="1"/>
-          </p:nvPr>
-        </p:nvSpPr>
-        <p:spPr>
-          <a:xfrm>
-            <a:off x="311700" y="1152475"/>
-            <a:ext cx="8520600" cy="3416400"/>
-          </a:xfrm>
-          <a:prstGeom prst="rect">
-            <a:avLst/>
-          </a:prstGeom>
-          <a:noFill/>
-          <a:ln>
-            <a:noFill/>
-          </a:ln>
-        </p:spPr>
-        <p:txBody>
-          <a:bodyPr lIns="91425" tIns="91425" rIns="91425" bIns="91425" anchor="t" anchorCtr="0"/>
-          <a:lstStyle>
-            <a:lvl1pPr lvl="0" rtl="0">
-              <a:lnSpc>
-                <a:spcPct val="115000"/>
-              </a:lnSpc>
-              <a:spcBef>
-                <a:spcPts val="0"/>
-              </a:spcBef>
-              <a:spcAft>
-                <a:spcPts val="1600"/>
-              </a:spcAft>
-              <a:buClr>
-                <a:schemeClr val="dk2"/>
-              </a:buClr>
-              <a:buSzPct val="100000"/>
-              <a:defRPr sz="1800">
-                <a:solidFill>
-                  <a:schemeClr val="dk2"/>
-                </a:solidFill>
-              </a:defRPr>
-            </a:lvl1pPr>
-            <a:lvl2pPr lvl="1" rtl="0">
-              <a:lnSpc>
-                <a:spcPct val="115000"/>
-              </a:lnSpc>
-              <a:spcBef>
-                <a:spcPts val="0"/>
-              </a:spcBef>
-              <a:spcAft>
-                <a:spcPts val="1600"/>
-              </a:spcAft>
-              <a:buClr>
-                <a:schemeClr val="dk2"/>
-              </a:buClr>
-              <a:defRPr>
-                <a:solidFill>
-                  <a:schemeClr val="dk2"/>
-                </a:solidFill>
-              </a:defRPr>
-            </a:lvl2pPr>
-            <a:lvl3pPr lvl="2" rtl="0">
-              <a:lnSpc>
-                <a:spcPct val="115000"/>
-              </a:lnSpc>
-              <a:spcBef>
-                <a:spcPts val="0"/>
-              </a:spcBef>
-              <a:spcAft>
-                <a:spcPts val="1600"/>
-              </a:spcAft>
-              <a:buClr>
-                <a:schemeClr val="dk2"/>
-              </a:buClr>
-              <a:defRPr>
-                <a:solidFill>
-                  <a:schemeClr val="dk2"/>
-                </a:solidFill>
-              </a:defRPr>
-            </a:lvl3pPr>
-            <a:lvl4pPr lvl="3" rtl="0">
-              <a:lnSpc>
-                <a:spcPct val="115000"/>
-              </a:lnSpc>
-              <a:spcBef>
-                <a:spcPts val="0"/>
-              </a:spcBef>
-              <a:spcAft>
-                <a:spcPts val="1600"/>
-              </a:spcAft>
-              <a:buClr>
-                <a:schemeClr val="dk2"/>
-              </a:buClr>
-              <a:defRPr>
-                <a:solidFill>
-                  <a:schemeClr val="dk2"/>
-                </a:solidFill>
-              </a:defRPr>
-            </a:lvl4pPr>
-            <a:lvl5pPr lvl="4" rtl="0">
-              <a:lnSpc>
-                <a:spcPct val="115000"/>
-              </a:lnSpc>
-              <a:spcBef>
-                <a:spcPts val="0"/>
-              </a:spcBef>
-              <a:spcAft>
-                <a:spcPts val="1600"/>
-              </a:spcAft>
-              <a:buClr>
-                <a:schemeClr val="dk2"/>
-              </a:buClr>
-              <a:defRPr>
-                <a:solidFill>
-                  <a:schemeClr val="dk2"/>
-                </a:solidFill>
-              </a:defRPr>
-            </a:lvl5pPr>
-            <a:lvl6pPr lvl="5" rtl="0">
-              <a:lnSpc>
-                <a:spcPct val="115000"/>
-              </a:lnSpc>
-              <a:spcBef>
-                <a:spcPts val="0"/>
-              </a:spcBef>
-              <a:spcAft>
-                <a:spcPts val="1600"/>
-              </a:spcAft>
-              <a:buClr>
-                <a:schemeClr val="dk2"/>
-              </a:buClr>
-              <a:defRPr>
-                <a:solidFill>
-                  <a:schemeClr val="dk2"/>
-                </a:solidFill>
-              </a:defRPr>
-            </a:lvl6pPr>
-            <a:lvl7pPr lvl="6" rtl="0">
-              <a:lnSpc>
-                <a:spcPct val="115000"/>
-              </a:lnSpc>
-              <a:spcBef>
-                <a:spcPts val="0"/>
-              </a:spcBef>
-              <a:spcAft>
-                <a:spcPts val="1600"/>
-              </a:spcAft>
-              <a:buClr>
-                <a:schemeClr val="dk2"/>
-              </a:buClr>
-              <a:defRPr>
-                <a:solidFill>
-                  <a:schemeClr val="dk2"/>
-                </a:solidFill>
-              </a:defRPr>
-            </a:lvl7pPr>
-            <a:lvl8pPr lvl="7" rtl="0">
-              <a:lnSpc>
-                <a:spcPct val="115000"/>
-              </a:lnSpc>
-              <a:spcBef>
-                <a:spcPts val="0"/>
-              </a:spcBef>
-              <a:spcAft>
-                <a:spcPts val="1600"/>
-              </a:spcAft>
-              <a:buClr>
-                <a:schemeClr val="dk2"/>
-              </a:buClr>
-              <a:defRPr>
-                <a:solidFill>
-                  <a:schemeClr val="dk2"/>
-                </a:solidFill>
-              </a:defRPr>
-            </a:lvl8pPr>
-            <a:lvl9pPr lvl="8" rtl="0">
-              <a:lnSpc>
-                <a:spcPct val="115000"/>
-              </a:lnSpc>
-              <a:spcBef>
-                <a:spcPts val="0"/>
-              </a:spcBef>
-              <a:spcAft>
-                <a:spcPts val="1600"/>
-              </a:spcAft>
-              <a:buClr>
-                <a:schemeClr val="dk2"/>
-              </a:buClr>
-              <a:defRPr>
-                <a:solidFill>
-                  <a:schemeClr val="dk2"/>
-                </a:solidFill>
-              </a:defRPr>
-            </a:lvl9pPr>
-          </a:lstStyle>
-          <a:p>
-            <a:endParaRPr/>
-          </a:p>
-        </p:txBody>
-      </p:sp>
-      <p:sp>
-        <p:nvSpPr>
-          <p:cNvPr id="189" name="Shape 189"/>
-          <p:cNvSpPr txBox="1">
-            <a:spLocks noGrp="1"/>
-          </p:cNvSpPr>
-          <p:nvPr>
-            <p:ph type="sldNum" idx="12"/>
-          </p:nvPr>
-        </p:nvSpPr>
-        <p:spPr>
-          <a:xfrm>
-            <a:off x="8472457" y="4663216"/>
-            <a:ext cx="548700" cy="393600"/>
-          </a:xfrm>
-          <a:prstGeom prst="rect">
-            <a:avLst/>
-          </a:prstGeom>
-          <a:noFill/>
-          <a:ln>
-            <a:noFill/>
-          </a:ln>
-        </p:spPr>
-        <p:txBody>
-          <a:bodyPr lIns="91425" tIns="91425" rIns="91425" bIns="91425" anchor="ctr" anchorCtr="0">
-            <a:noAutofit/>
-          </a:bodyPr>
-          <a:lstStyle/>
-          <a:p>
-            <a:pPr lvl="0" algn="r" rtl="0">
-              <a:spcBef>
-                <a:spcPts val="0"/>
-              </a:spcBef>
-              <a:buNone/>
-            </a:pPr>
-            <a:fld id="{00000000-1234-1234-1234-123412341234}" type="slidenum">
-              <a:rPr lang="en" sz="1000">
-                <a:solidFill>
-                  <a:schemeClr val="dk2"/>
-                </a:solidFill>
-              </a:rPr>
-              <a:t>‹#›</a:t>
-            </a:fld>
-            <a:endParaRPr lang="en" sz="1000">
-              <a:solidFill>
-                <a:schemeClr val="dk2"/>
-              </a:solidFill>
-            </a:endParaRPr>
-          </a:p>
-        </p:txBody>
-      </p:sp>
-    </p:spTree>
-  </p:cSld>
-  <p:clrMap bg1="lt1" tx1="dk1" bg2="dk2" tx2="lt2" accent1="accent1" accent2="accent2" accent3="accent3" accent4="accent4" accent5="accent5" accent6="accent6" hlink="hlink" folHlink="folHlink"/>
-  <p:sldLayoutIdLst>
-    <p:sldLayoutId id="2147483695" r:id="rId1"/>
-    <p:sldLayoutId id="2147483696" r:id="rId2"/>
-    <p:sldLayoutId id="2147483697" r:id="rId3"/>
-    <p:sldLayoutId id="2147483698" r:id="rId4"/>
-    <p:sldLayoutId id="2147483699" r:id="rId5"/>
-    <p:sldLayoutId id="2147483700" r:id="rId6"/>
-    <p:sldLayoutId id="2147483701" r:id="rId7"/>
-    <p:sldLayoutId id="2147483702" r:id="rId8"/>
-    <p:sldLayoutId id="2147483703" r:id="rId9"/>
-    <p:sldLayoutId id="2147483704" r:id="rId10"/>
-    <p:sldLayoutId id="2147483705" r:id="rId11"/>
-  </p:sldLayoutIdLst>
-  <p:hf sldNum="0" hdr="0" ftr="0" dt="0"/>
-  <p:txStyles>
-    <p:titleStyle>
-      <a:defPPr marR="0" lvl="0" algn="l" rtl="0">
-        <a:lnSpc>
-          <a:spcPct val="100000"/>
-        </a:lnSpc>
-        <a:spcBef>
-          <a:spcPts val="0"/>
-        </a:spcBef>
-        <a:spcAft>
-          <a:spcPts val="0"/>
-        </a:spcAft>
-      </a:defPPr>
-      <a:lvl1pPr marR="0" lvl="0" algn="l" rtl="0">
-        <a:lnSpc>
-          <a:spcPct val="100000"/>
-        </a:lnSpc>
-        <a:spcBef>
-          <a:spcPts val="0"/>
-        </a:spcBef>
-        <a:spcAft>
-          <a:spcPts val="0"/>
-        </a:spcAft>
-        <a:buNone/>
-        <a:defRPr sz="1400" b="0" i="0" u="none" strike="noStrike" cap="none">
-          <a:solidFill>
-            <a:srgbClr val="000000"/>
-          </a:solidFill>
-          <a:latin typeface="Arial"/>
-          <a:ea typeface="Arial"/>
-          <a:cs typeface="Arial"/>
-          <a:sym typeface="Arial"/>
-        </a:defRPr>
-      </a:lvl1pPr>
-    </p:titleStyle>
-    <p:bodyStyle>
-      <a:defPPr marR="0" lvl="0" algn="l" rtl="0">
-        <a:lnSpc>
-          <a:spcPct val="100000"/>
-        </a:lnSpc>
-        <a:spcBef>
-          <a:spcPts val="0"/>
-        </a:spcBef>
-        <a:spcAft>
-          <a:spcPts val="0"/>
-        </a:spcAft>
-      </a:defPPr>
-      <a:lvl1pPr marR="0" lvl="0" algn="l" rtl="0">
-        <a:lnSpc>
-          <a:spcPct val="100000"/>
-        </a:lnSpc>
-        <a:spcBef>
-          <a:spcPts val="0"/>
-        </a:spcBef>
-        <a:spcAft>
-          <a:spcPts val="0"/>
-        </a:spcAft>
-        <a:buNone/>
-        <a:defRPr sz="1400" b="0" i="0" u="none" strike="noStrike" cap="none">
-          <a:solidFill>
-            <a:srgbClr val="000000"/>
-          </a:solidFill>
-          <a:latin typeface="Arial"/>
-          <a:ea typeface="Arial"/>
-          <a:cs typeface="Arial"/>
-          <a:sym typeface="Arial"/>
-        </a:defRPr>
-      </a:lvl1pPr>
-      <a:lvl2pPr marR="0" lvl="1" algn="l" rtl="0">
-        <a:lnSpc>
-          <a:spcPct val="100000"/>
-        </a:lnSpc>
-        <a:spcBef>
-          <a:spcPts val="0"/>
-        </a:spcBef>
-        <a:spcAft>
-          <a:spcPts val="0"/>
-        </a:spcAft>
-        <a:buNone/>
-        <a:defRPr sz="1400" b="0" i="0" u="none" strike="noStrike" cap="none">
-          <a:solidFill>
-            <a:srgbClr val="000000"/>
-          </a:solidFill>
-          <a:latin typeface="Arial"/>
-          <a:ea typeface="Arial"/>
-          <a:cs typeface="Arial"/>
-          <a:sym typeface="Arial"/>
-        </a:defRPr>
-      </a:lvl2pPr>
-      <a:lvl3pPr marR="0" lvl="2" algn="l" rtl="0">
-        <a:lnSpc>
-          <a:spcPct val="100000"/>
-        </a:lnSpc>
-        <a:spcBef>
-          <a:spcPts val="0"/>
-        </a:spcBef>
-        <a:spcAft>
-          <a:spcPts val="0"/>
-        </a:spcAft>
-        <a:buNone/>
-        <a:defRPr sz="1400" b="0" i="0" u="none" strike="noStrike" cap="none">
-          <a:solidFill>
-            <a:srgbClr val="000000"/>
-          </a:solidFill>
-          <a:latin typeface="Arial"/>
-          <a:ea typeface="Arial"/>
-          <a:cs typeface="Arial"/>
-          <a:sym typeface="Arial"/>
-        </a:defRPr>
-      </a:lvl3pPr>
-      <a:lvl4pPr marR="0" lvl="3" algn="l" rtl="0">
-        <a:lnSpc>
-          <a:spcPct val="100000"/>
-        </a:lnSpc>
-        <a:spcBef>
-          <a:spcPts val="0"/>
-        </a:spcBef>
-        <a:spcAft>
-          <a:spcPts val="0"/>
-        </a:spcAft>
-        <a:buNone/>
-        <a:defRPr sz="1400" b="0" i="0" u="none" strike="noStrike" cap="none">
-          <a:solidFill>
-            <a:srgbClr val="000000"/>
-          </a:solidFill>
-          <a:latin typeface="Arial"/>
-          <a:ea typeface="Arial"/>
-          <a:cs typeface="Arial"/>
-          <a:sym typeface="Arial"/>
-        </a:defRPr>
-      </a:lvl4pPr>
-      <a:lvl5pPr marR="0" lvl="4" algn="l" rtl="0">
-        <a:lnSpc>
-          <a:spcPct val="100000"/>
-        </a:lnSpc>
-        <a:spcBef>
-          <a:spcPts val="0"/>
-        </a:spcBef>
-        <a:spcAft>
-          <a:spcPts val="0"/>
-        </a:spcAft>
-        <a:buNone/>
-        <a:defRPr sz="1400" b="0" i="0" u="none" strike="noStrike" cap="none">
-          <a:solidFill>
-            <a:srgbClr val="000000"/>
-          </a:solidFill>
-          <a:latin typeface="Arial"/>
-          <a:ea typeface="Arial"/>
-          <a:cs typeface="Arial"/>
-          <a:sym typeface="Arial"/>
-        </a:defRPr>
-      </a:lvl5pPr>
-      <a:lvl6pPr marR="0" lvl="5" algn="l" rtl="0">
-        <a:lnSpc>
-          <a:spcPct val="100000"/>
-        </a:lnSpc>
-        <a:spcBef>
-          <a:spcPts val="0"/>
-        </a:spcBef>
-        <a:spcAft>
-          <a:spcPts val="0"/>
-        </a:spcAft>
-        <a:buNone/>
-        <a:defRPr sz="1400" b="0" i="0" u="none" strike="noStrike" cap="none">
-          <a:solidFill>
-            <a:srgbClr val="000000"/>
-          </a:solidFill>
-          <a:latin typeface="Arial"/>
-          <a:ea typeface="Arial"/>
-          <a:cs typeface="Arial"/>
-          <a:sym typeface="Arial"/>
-        </a:defRPr>
-      </a:lvl6pPr>
-      <a:lvl7pPr marR="0" lvl="6" algn="l" rtl="0">
-        <a:lnSpc>
-          <a:spcPct val="100000"/>
-        </a:lnSpc>
-        <a:spcBef>
-          <a:spcPts val="0"/>
-        </a:spcBef>
-        <a:spcAft>
-          <a:spcPts val="0"/>
-        </a:spcAft>
-        <a:buNone/>
-        <a:defRPr sz="1400" b="0" i="0" u="none" strike="noStrike" cap="none">
-          <a:solidFill>
-            <a:srgbClr val="000000"/>
-          </a:solidFill>
-          <a:latin typeface="Arial"/>
-          <a:ea typeface="Arial"/>
-          <a:cs typeface="Arial"/>
-          <a:sym typeface="Arial"/>
-        </a:defRPr>
-      </a:lvl7pPr>
-      <a:lvl8pPr marR="0" lvl="7" algn="l" rtl="0">
-        <a:lnSpc>
-          <a:spcPct val="100000"/>
-        </a:lnSpc>
-        <a:spcBef>
-          <a:spcPts val="0"/>
-        </a:spcBef>
-        <a:spcAft>
-          <a:spcPts val="0"/>
-        </a:spcAft>
-        <a:buNone/>
-        <a:defRPr sz="1400" b="0" i="0" u="none" strike="noStrike" cap="none">
-          <a:solidFill>
-            <a:srgbClr val="000000"/>
-          </a:solidFill>
-          <a:latin typeface="Arial"/>
-          <a:ea typeface="Arial"/>
-          <a:cs typeface="Arial"/>
-          <a:sym typeface="Arial"/>
-        </a:defRPr>
-      </a:lvl8pPr>
-      <a:lvl9pPr marR="0" lvl="8" algn="l" rtl="0">
-        <a:lnSpc>
-          <a:spcPct val="100000"/>
-        </a:lnSpc>
-        <a:spcBef>
-          <a:spcPts val="0"/>
-        </a:spcBef>
-        <a:spcAft>
-          <a:spcPts val="0"/>
-        </a:spcAft>
-        <a:buNone/>
-        <a:defRPr sz="1400" b="0" i="0" u="none" strike="noStrike" cap="none">
-          <a:solidFill>
-            <a:srgbClr val="000000"/>
-          </a:solidFill>
-          <a:latin typeface="Arial"/>
-          <a:ea typeface="Arial"/>
-          <a:cs typeface="Arial"/>
-          <a:sym typeface="Arial"/>
-        </a:defRPr>
-      </a:lvl9pPr>
-    </p:bodyStyle>
-    <p:otherStyle>
-      <a:defPPr marR="0" lvl="0" algn="l" rtl="0">
-        <a:lnSpc>
-          <a:spcPct val="100000"/>
-        </a:lnSpc>
-        <a:spcBef>
-          <a:spcPts val="0"/>
-        </a:spcBef>
-        <a:spcAft>
-          <a:spcPts val="0"/>
-        </a:spcAft>
-      </a:defPPr>
-      <a:lvl1pPr marR="0" lvl="0" algn="l" rtl="0">
-        <a:lnSpc>
-          <a:spcPct val="100000"/>
-        </a:lnSpc>
-        <a:spcBef>
-          <a:spcPts val="0"/>
-        </a:spcBef>
-        <a:spcAft>
-          <a:spcPts val="0"/>
-        </a:spcAft>
-        <a:buNone/>
-        <a:defRPr sz="1400" b="0" i="0" u="none" strike="noStrike" cap="none">
-          <a:solidFill>
-            <a:srgbClr val="000000"/>
-          </a:solidFill>
-          <a:latin typeface="Arial"/>
-          <a:ea typeface="Arial"/>
-          <a:cs typeface="Arial"/>
-          <a:sym typeface="Arial"/>
-        </a:defRPr>
-      </a:lvl1pPr>
-      <a:lvl2pPr marR="0" lvl="1" algn="l" rtl="0">
-        <a:lnSpc>
-          <a:spcPct val="100000"/>
-        </a:lnSpc>
-        <a:spcBef>
-          <a:spcPts val="0"/>
-        </a:spcBef>
-        <a:spcAft>
-          <a:spcPts val="0"/>
-        </a:spcAft>
-        <a:buNone/>
-        <a:defRPr sz="1400" b="0" i="0" u="none" strike="noStrike" cap="none">
-          <a:solidFill>
-            <a:srgbClr val="000000"/>
-          </a:solidFill>
-          <a:latin typeface="Arial"/>
-          <a:ea typeface="Arial"/>
-          <a:cs typeface="Arial"/>
-          <a:sym typeface="Arial"/>
-        </a:defRPr>
-      </a:lvl2pPr>
-      <a:lvl3pPr marR="0" lvl="2" algn="l" rtl="0">
-        <a:lnSpc>
-          <a:spcPct val="100000"/>
-        </a:lnSpc>
-        <a:spcBef>
-          <a:spcPts val="0"/>
-        </a:spcBef>
-        <a:spcAft>
-          <a:spcPts val="0"/>
-        </a:spcAft>
-        <a:buNone/>
-        <a:defRPr sz="1400" b="0" i="0" u="none" strike="noStrike" cap="none">
-          <a:solidFill>
-            <a:srgbClr val="000000"/>
-          </a:solidFill>
-          <a:latin typeface="Arial"/>
-          <a:ea typeface="Arial"/>
-          <a:cs typeface="Arial"/>
-          <a:sym typeface="Arial"/>
-        </a:defRPr>
-      </a:lvl3pPr>
-      <a:lvl4pPr marR="0" lvl="3" algn="l" rtl="0">
-        <a:lnSpc>
-          <a:spcPct val="100000"/>
-        </a:lnSpc>
-        <a:spcBef>
-          <a:spcPts val="0"/>
-        </a:spcBef>
-        <a:spcAft>
-          <a:spcPts val="0"/>
-        </a:spcAft>
-        <a:buNone/>
-        <a:defRPr sz="1400" b="0" i="0" u="none" strike="noStrike" cap="none">
-          <a:solidFill>
-            <a:srgbClr val="000000"/>
-          </a:solidFill>
-          <a:latin typeface="Arial"/>
-          <a:ea typeface="Arial"/>
-          <a:cs typeface="Arial"/>
-          <a:sym typeface="Arial"/>
-        </a:defRPr>
-      </a:lvl4pPr>
-      <a:lvl5pPr marR="0" lvl="4" algn="l" rtl="0">
-        <a:lnSpc>
-          <a:spcPct val="100000"/>
-        </a:lnSpc>
-        <a:spcBef>
-          <a:spcPts val="0"/>
-        </a:spcBef>
-        <a:spcAft>
-          <a:spcPts val="0"/>
-        </a:spcAft>
-        <a:buNone/>
-        <a:defRPr sz="1400" b="0" i="0" u="none" strike="noStrike" cap="none">
-          <a:solidFill>
-            <a:srgbClr val="000000"/>
-          </a:solidFill>
-          <a:latin typeface="Arial"/>
-          <a:ea typeface="Arial"/>
-          <a:cs typeface="Arial"/>
-          <a:sym typeface="Arial"/>
-        </a:defRPr>
-      </a:lvl5pPr>
-      <a:lvl6pPr marR="0" lvl="5" algn="l" rtl="0">
-        <a:lnSpc>
-          <a:spcPct val="100000"/>
-        </a:lnSpc>
-        <a:spcBef>
-          <a:spcPts val="0"/>
-        </a:spcBef>
-        <a:spcAft>
-          <a:spcPts val="0"/>
-        </a:spcAft>
-        <a:buNone/>
-        <a:defRPr sz="1400" b="0" i="0" u="none" strike="noStrike" cap="none">
-          <a:solidFill>
-            <a:srgbClr val="000000"/>
-          </a:solidFill>
-          <a:latin typeface="Arial"/>
-          <a:ea typeface="Arial"/>
-          <a:cs typeface="Arial"/>
-          <a:sym typeface="Arial"/>
-        </a:defRPr>
-      </a:lvl6pPr>
-      <a:lvl7pPr marR="0" lvl="6" algn="l" rtl="0">
-        <a:lnSpc>
-          <a:spcPct val="100000"/>
-        </a:lnSpc>
-        <a:spcBef>
-          <a:spcPts val="0"/>
-        </a:spcBef>
-        <a:spcAft>
-          <a:spcPts val="0"/>
-        </a:spcAft>
-        <a:buNone/>
-        <a:defRPr sz="1400" b="0" i="0" u="none" strike="noStrike" cap="none">
-          <a:solidFill>
-            <a:srgbClr val="000000"/>
-          </a:solidFill>
-          <a:latin typeface="Arial"/>
-          <a:ea typeface="Arial"/>
-          <a:cs typeface="Arial"/>
-          <a:sym typeface="Arial"/>
-        </a:defRPr>
-      </a:lvl7pPr>
-      <a:lvl8pPr marR="0" lvl="7" algn="l" rtl="0">
-        <a:lnSpc>
-          <a:spcPct val="100000"/>
-        </a:lnSpc>
-        <a:spcBef>
-          <a:spcPts val="0"/>
-        </a:spcBef>
-        <a:spcAft>
-          <a:spcPts val="0"/>
-        </a:spcAft>
-        <a:buNone/>
-        <a:defRPr sz="1400" b="0" i="0" u="none" strike="noStrike" cap="none">
-          <a:solidFill>
-            <a:srgbClr val="000000"/>
-          </a:solidFill>
-          <a:latin typeface="Arial"/>
-          <a:ea typeface="Arial"/>
-          <a:cs typeface="Arial"/>
-          <a:sym typeface="Arial"/>
-        </a:defRPr>
-      </a:lvl8pPr>
-      <a:lvl9pPr marR="0" lvl="8" algn="l" rtl="0">
-        <a:lnSpc>
-          <a:spcPct val="100000"/>
-        </a:lnSpc>
-        <a:spcBef>
-          <a:spcPts val="0"/>
-        </a:spcBef>
-        <a:spcAft>
-          <a:spcPts val="0"/>
-        </a:spcAft>
-        <a:buNone/>
-        <a:defRPr sz="1400" b="0" i="0" u="none" strike="noStrike" cap="none">
-          <a:solidFill>
-            <a:srgbClr val="000000"/>
-          </a:solidFill>
-          <a:latin typeface="Arial"/>
-          <a:ea typeface="Arial"/>
-          <a:cs typeface="Arial"/>
-          <a:sym typeface="Arial"/>
-        </a:defRPr>
-      </a:lvl9pPr>
-    </p:otherStyle>
-  </p:txStyles>
-</p:sldMaster>
-</file>
-
-<file path=ppt/slideMasters/slideMaster5.xml><?xml version="1.0" encoding="utf-8"?>
-<p:sldMaster xmlns:a="http://schemas.openxmlformats.org/drawingml/2006/main" xmlns:r="http://schemas.openxmlformats.org/officeDocument/2006/relationships" xmlns:p="http://schemas.openxmlformats.org/presentationml/2006/main">
-  <p:cSld>
-    <p:bg>
-      <p:bgPr>
-        <a:solidFill>
-          <a:schemeClr val="lt1"/>
-        </a:solidFill>
-        <a:effectLst/>
-      </p:bgPr>
-    </p:bg>
-    <p:spTree>
-      <p:nvGrpSpPr>
         <p:cNvPr id="1" name="Shape 231"/>
         <p:cNvGrpSpPr/>
         <p:nvPr/>
@@ -33067,112 +29653,6 @@
             <a:r>
               <a:rPr lang="en" sz="2400"/>
               <a:t>Hypothesis</a:t>
-            </a:r>
-          </a:p>
-        </p:txBody>
-      </p:sp>
-    </p:spTree>
-  </p:cSld>
-  <p:clrMapOvr>
-    <a:masterClrMapping/>
-  </p:clrMapOvr>
-</p:sld>
-</file>
-
-<file path=ppt/slides/slide6.xml><?xml version="1.0" encoding="utf-8"?>
-<p:sld xmlns:a="http://schemas.openxmlformats.org/drawingml/2006/main" xmlns:r="http://schemas.openxmlformats.org/officeDocument/2006/relationships" xmlns:p="http://schemas.openxmlformats.org/presentationml/2006/main">
-  <p:cSld>
-    <p:spTree>
-      <p:nvGrpSpPr>
-        <p:cNvPr id="1" name="Shape 351"/>
-        <p:cNvGrpSpPr/>
-        <p:nvPr/>
-      </p:nvGrpSpPr>
-      <p:grpSpPr>
-        <a:xfrm>
-          <a:off x="0" y="0"/>
-          <a:ext cx="0" cy="0"/>
-          <a:chOff x="0" y="0"/>
-          <a:chExt cx="0" cy="0"/>
-        </a:xfrm>
-      </p:grpSpPr>
-      <p:sp>
-        <p:nvSpPr>
-          <p:cNvPr id="352" name="Shape 352"/>
-          <p:cNvSpPr txBox="1">
-            <a:spLocks noGrp="1"/>
-          </p:cNvSpPr>
-          <p:nvPr>
-            <p:ph type="title"/>
-          </p:nvPr>
-        </p:nvSpPr>
-        <p:spPr>
-          <a:xfrm>
-            <a:off x="311700" y="445025"/>
-            <a:ext cx="8520600" cy="572700"/>
-          </a:xfrm>
-          <a:prstGeom prst="rect">
-            <a:avLst/>
-          </a:prstGeom>
-        </p:spPr>
-        <p:txBody>
-          <a:bodyPr lIns="91425" tIns="91425" rIns="91425" bIns="91425" anchor="t" anchorCtr="0">
-            <a:noAutofit/>
-          </a:bodyPr>
-          <a:lstStyle/>
-          <a:p>
-            <a:pPr lvl="0" rtl="0">
-              <a:spcBef>
-                <a:spcPts val="0"/>
-              </a:spcBef>
-              <a:buNone/>
-            </a:pPr>
-            <a:r>
-              <a:rPr lang="en"/>
-              <a:t>Appendix</a:t>
-            </a:r>
-          </a:p>
-        </p:txBody>
-      </p:sp>
-      <p:sp>
-        <p:nvSpPr>
-          <p:cNvPr id="353" name="Shape 353"/>
-          <p:cNvSpPr txBox="1">
-            <a:spLocks noGrp="1"/>
-          </p:cNvSpPr>
-          <p:nvPr>
-            <p:ph type="body" idx="1"/>
-          </p:nvPr>
-        </p:nvSpPr>
-        <p:spPr>
-          <a:xfrm>
-            <a:off x="311700" y="1152475"/>
-            <a:ext cx="8520600" cy="3416400"/>
-          </a:xfrm>
-          <a:prstGeom prst="rect">
-            <a:avLst/>
-          </a:prstGeom>
-        </p:spPr>
-        <p:txBody>
-          <a:bodyPr lIns="91425" tIns="91425" rIns="91425" bIns="91425" anchor="t" anchorCtr="0">
-            <a:noAutofit/>
-          </a:bodyPr>
-          <a:lstStyle/>
-          <a:p>
-            <a:pPr lvl="0" rtl="0">
-              <a:spcBef>
-                <a:spcPts val="0"/>
-              </a:spcBef>
-              <a:buNone/>
-            </a:pPr>
-            <a:r>
-              <a:rPr lang="en" u="sng">
-                <a:solidFill>
-                  <a:schemeClr val="hlink"/>
-                </a:solidFill>
-                <a:hlinkClick r:id="rId3"/>
-              </a:rPr>
-              <a:t>Customer Cube write up</a:t>
             </a:r>
           </a:p>
         </p:txBody>
@@ -34029,287 +30509,6 @@
 </file>
 
 <file path=ppt/theme/theme4.xml><?xml version="1.0" encoding="utf-8"?>
-<a:theme xmlns:a="http://schemas.openxmlformats.org/drawingml/2006/main" name="simple-light-2">
-  <a:themeElements>
-    <a:clrScheme name="Simple Light">
-      <a:dk1>
-        <a:srgbClr val="000000"/>
-      </a:dk1>
-      <a:lt1>
-        <a:srgbClr val="FFFFFF"/>
-      </a:lt1>
-      <a:dk2>
-        <a:srgbClr val="595959"/>
-      </a:dk2>
-      <a:lt2>
-        <a:srgbClr val="EEEEEE"/>
-      </a:lt2>
-      <a:accent1>
-        <a:srgbClr val="FFAB40"/>
-      </a:accent1>
-      <a:accent2>
-        <a:srgbClr val="212121"/>
-      </a:accent2>
-      <a:accent3>
-        <a:srgbClr val="78909C"/>
-      </a:accent3>
-      <a:accent4>
-        <a:srgbClr val="FFAB40"/>
-      </a:accent4>
-      <a:accent5>
-        <a:srgbClr val="0097A7"/>
-      </a:accent5>
-      <a:accent6>
-        <a:srgbClr val="EEFF41"/>
-      </a:accent6>
-      <a:hlink>
-        <a:srgbClr val="0097A7"/>
-      </a:hlink>
-      <a:folHlink>
-        <a:srgbClr val="0097A7"/>
-      </a:folHlink>
-    </a:clrScheme>
-    <a:fontScheme name="Office">
-      <a:majorFont>
-        <a:latin typeface="Arial"/>
-        <a:ea typeface=""/>
-        <a:cs typeface=""/>
-        <a:font script="Jpan" typeface="ＭＳ Ｐゴシック"/>
-        <a:font script="Hang" typeface="맑은 고딕"/>
-        <a:font script="Hans" typeface="宋体"/>
-        <a:font script="Hant" typeface="新細明體"/>
-        <a:font script="Arab" typeface="Times New Roman"/>
-        <a:font script="Hebr" typeface="Times New Roman"/>
-        <a:font script="Thai" typeface="Angsana New"/>
-        <a:font script="Ethi" typeface="Nyala"/>
-        <a:font script="Beng" typeface="Vrinda"/>
-        <a:font script="Gujr" typeface="Shruti"/>
-        <a:font script="Khmr" typeface="MoolBoran"/>
-        <a:font script="Knda" typeface="Tunga"/>
-        <a:font script="Guru" typeface="Raavi"/>
-        <a:font script="Cans" typeface="Euphemia"/>
-        <a:font script="Cher" typeface="Plantagenet Cherokee"/>
-        <a:font script="Yiii" typeface="Microsoft Yi Baiti"/>
-        <a:font script="Tibt" typeface="Microsoft Himalaya"/>
-        <a:font script="Thaa" typeface="MV Boli"/>
-        <a:font script="Deva" typeface="Mangal"/>
-        <a:font script="Telu" typeface="Gautami"/>
-        <a:font script="Taml" typeface="Latha"/>
-        <a:font script="Syrc" typeface="Estrangelo Edessa"/>
-        <a:font script="Orya" typeface="Kalinga"/>
-        <a:font script="Mlym" typeface="Kartika"/>
-        <a:font script="Laoo" typeface="DokChampa"/>
-        <a:font script="Sinh" typeface="Iskoola Pota"/>
-        <a:font script="Mong" typeface="Mongolian Baiti"/>
-        <a:font script="Viet" typeface="Times New Roman"/>
-        <a:font script="Uigh" typeface="Microsoft Uighur"/>
-        <a:font script="Geor" typeface="Sylfaen"/>
-      </a:majorFont>
-      <a:minorFont>
-        <a:latin typeface="Arial"/>
-        <a:ea typeface=""/>
-        <a:cs typeface=""/>
-        <a:font script="Jpan" typeface="ＭＳ Ｐゴシック"/>
-        <a:font script="Hang" typeface="맑은 고딕"/>
-        <a:font script="Hans" typeface="宋体"/>
-        <a:font script="Hant" typeface="新細明體"/>
-        <a:font script="Arab" typeface="Arial"/>
-        <a:font script="Hebr" typeface="Arial"/>
-        <a:font script="Thai" typeface="Cordia New"/>
-        <a:font script="Ethi" typeface="Nyala"/>
-        <a:font script="Beng" typeface="Vrinda"/>
-        <a:font script="Gujr" typeface="Shruti"/>
-        <a:font script="Khmr" typeface="DaunPenh"/>
-        <a:font script="Knda" typeface="Tunga"/>
-        <a:font script="Guru" typeface="Raavi"/>
-        <a:font script="Cans" typeface="Euphemia"/>
-        <a:font script="Cher" typeface="Plantagenet Cherokee"/>
-        <a:font script="Yiii" typeface="Microsoft Yi Baiti"/>
-        <a:font script="Tibt" typeface="Microsoft Himalaya"/>
-        <a:font script="Thaa" typeface="MV Boli"/>
-        <a:font script="Deva" typeface="Mangal"/>
-        <a:font script="Telu" typeface="Gautami"/>
-        <a:font script="Taml" typeface="Latha"/>
-        <a:font script="Syrc" typeface="Estrangelo Edessa"/>
-        <a:font script="Orya" typeface="Kalinga"/>
-        <a:font script="Mlym" typeface="Kartika"/>
-        <a:font script="Laoo" typeface="DokChampa"/>
-        <a:font script="Sinh" typeface="Iskoola Pota"/>
-        <a:font script="Mong" typeface="Mongolian Baiti"/>
-        <a:font script="Viet" typeface="Arial"/>
-        <a:font script="Uigh" typeface="Microsoft Uighur"/>
-        <a:font script="Geor" typeface="Sylfaen"/>
-      </a:minorFont>
-    </a:fontScheme>
-    <a:fmtScheme name="Office">
-      <a:fillStyleLst>
-        <a:solidFill>
-          <a:schemeClr val="phClr"/>
-        </a:solidFill>
-        <a:gradFill rotWithShape="1">
-          <a:gsLst>
-            <a:gs pos="0">
-              <a:schemeClr val="phClr">
-                <a:tint val="50000"/>
-                <a:satMod val="300000"/>
-              </a:schemeClr>
-            </a:gs>
-            <a:gs pos="35000">
-              <a:schemeClr val="phClr">
-                <a:tint val="37000"/>
-                <a:satMod val="300000"/>
-              </a:schemeClr>
-            </a:gs>
-            <a:gs pos="100000">
-              <a:schemeClr val="phClr">
-                <a:tint val="15000"/>
-                <a:satMod val="350000"/>
-              </a:schemeClr>
-            </a:gs>
-          </a:gsLst>
-          <a:lin ang="16200000" scaled="1"/>
-        </a:gradFill>
-        <a:gradFill rotWithShape="1">
-          <a:gsLst>
-            <a:gs pos="0">
-              <a:schemeClr val="phClr">
-                <a:tint val="100000"/>
-                <a:shade val="100000"/>
-                <a:satMod val="130000"/>
-              </a:schemeClr>
-            </a:gs>
-            <a:gs pos="100000">
-              <a:schemeClr val="phClr">
-                <a:tint val="50000"/>
-                <a:shade val="100000"/>
-                <a:satMod val="350000"/>
-              </a:schemeClr>
-            </a:gs>
-          </a:gsLst>
-          <a:lin ang="16200000" scaled="0"/>
-        </a:gradFill>
-      </a:fillStyleLst>
-      <a:lnStyleLst>
-        <a:ln w="9525" cap="flat" cmpd="sng" algn="ctr">
-          <a:solidFill>
-            <a:schemeClr val="phClr">
-              <a:shade val="95000"/>
-              <a:satMod val="105000"/>
-            </a:schemeClr>
-          </a:solidFill>
-          <a:prstDash val="solid"/>
-        </a:ln>
-        <a:ln w="25400" cap="flat" cmpd="sng" algn="ctr">
-          <a:solidFill>
-            <a:schemeClr val="phClr"/>
-          </a:solidFill>
-          <a:prstDash val="solid"/>
-        </a:ln>
-        <a:ln w="38100" cap="flat" cmpd="sng" algn="ctr">
-          <a:solidFill>
-            <a:schemeClr val="phClr"/>
-          </a:solidFill>
-          <a:prstDash val="solid"/>
-        </a:ln>
-      </a:lnStyleLst>
-      <a:effectStyleLst>
-        <a:effectStyle>
-          <a:effectLst>
-            <a:outerShdw blurRad="40000" dist="20000" dir="5400000" rotWithShape="0">
-              <a:srgbClr val="000000">
-                <a:alpha val="38000"/>
-              </a:srgbClr>
-            </a:outerShdw>
-          </a:effectLst>
-        </a:effectStyle>
-        <a:effectStyle>
-          <a:effectLst>
-            <a:outerShdw blurRad="40000" dist="23000" dir="5400000" rotWithShape="0">
-              <a:srgbClr val="000000">
-                <a:alpha val="35000"/>
-              </a:srgbClr>
-            </a:outerShdw>
-          </a:effectLst>
-        </a:effectStyle>
-        <a:effectStyle>
-          <a:effectLst>
-            <a:outerShdw blurRad="40000" dist="23000" dir="5400000" rotWithShape="0">
-              <a:srgbClr val="000000">
-                <a:alpha val="35000"/>
-              </a:srgbClr>
-            </a:outerShdw>
-          </a:effectLst>
-          <a:scene3d>
-            <a:camera prst="orthographicFront">
-              <a:rot lat="0" lon="0" rev="0"/>
-            </a:camera>
-            <a:lightRig rig="threePt" dir="t">
-              <a:rot lat="0" lon="0" rev="1200000"/>
-            </a:lightRig>
-          </a:scene3d>
-          <a:sp3d>
-            <a:bevelT w="63500" h="25400"/>
-          </a:sp3d>
-        </a:effectStyle>
-      </a:effectStyleLst>
-      <a:bgFillStyleLst>
-        <a:solidFill>
-          <a:schemeClr val="phClr"/>
-        </a:solidFill>
-        <a:gradFill rotWithShape="1">
-          <a:gsLst>
-            <a:gs pos="0">
-              <a:schemeClr val="phClr">
-                <a:tint val="40000"/>
-                <a:satMod val="350000"/>
-              </a:schemeClr>
-            </a:gs>
-            <a:gs pos="40000">
-              <a:schemeClr val="phClr">
-                <a:tint val="45000"/>
-                <a:shade val="99000"/>
-                <a:satMod val="350000"/>
-              </a:schemeClr>
-            </a:gs>
-            <a:gs pos="100000">
-              <a:schemeClr val="phClr">
-                <a:shade val="20000"/>
-                <a:satMod val="255000"/>
-              </a:schemeClr>
-            </a:gs>
-          </a:gsLst>
-          <a:path path="circle">
-            <a:fillToRect l="50000" t="-80000" r="50000" b="180000"/>
-          </a:path>
-        </a:gradFill>
-        <a:gradFill rotWithShape="1">
-          <a:gsLst>
-            <a:gs pos="0">
-              <a:schemeClr val="phClr">
-                <a:tint val="80000"/>
-                <a:satMod val="300000"/>
-              </a:schemeClr>
-            </a:gs>
-            <a:gs pos="100000">
-              <a:schemeClr val="phClr">
-                <a:shade val="30000"/>
-                <a:satMod val="200000"/>
-              </a:schemeClr>
-            </a:gs>
-          </a:gsLst>
-          <a:path path="circle">
-            <a:fillToRect l="50000" t="50000" r="50000" b="50000"/>
-          </a:path>
-        </a:gradFill>
-      </a:bgFillStyleLst>
-    </a:fmtScheme>
-  </a:themeElements>
-  <a:objectDefaults/>
-  <a:extraClrSchemeLst/>
-</a:theme>
-</file>
-
-<file path=ppt/theme/theme5.xml><?xml version="1.0" encoding="utf-8"?>
 <a:theme xmlns:a="http://schemas.openxmlformats.org/drawingml/2006/main" name="OptimizelyTheme-PPT-Q32015">
   <a:themeElements>
     <a:clrScheme name="Optimizely Brand Colors">
@@ -34590,7 +30789,7 @@
 </a:theme>
 </file>
 
-<file path=ppt/theme/theme6.xml><?xml version="1.0" encoding="utf-8"?>
+<file path=ppt/theme/theme5.xml><?xml version="1.0" encoding="utf-8"?>
 <a:theme xmlns:a="http://schemas.openxmlformats.org/drawingml/2006/main" name="Custom Theme">
   <a:themeElements>
     <a:clrScheme name="Default">
